--- a/Round 1/jainam.pptx
+++ b/Round 1/jainam.pptx
@@ -14,9 +14,9 @@
     <p:sldId id="257" r:id="rId5"/>
     <p:sldId id="261" r:id="rId6"/>
     <p:sldId id="259" r:id="rId7"/>
-    <p:sldId id="297" r:id="rId8"/>
+    <p:sldId id="300" r:id="rId8"/>
     <p:sldId id="298" r:id="rId9"/>
-    <p:sldId id="299" r:id="rId10"/>
+    <p:sldId id="301" r:id="rId10"/>
   </p:sldIdLst>
   <p:sldSz cx="9144000" cy="5143500" type="screen16x9"/>
   <p:notesSz cx="6858000" cy="9144000"/>
@@ -279,7 +279,9 @@
 <p1510:revInfo xmlns:a="http://schemas.openxmlformats.org/drawingml/2006/main" xmlns:r="http://schemas.openxmlformats.org/officeDocument/2006/relationships" xmlns:p1510="http://schemas.microsoft.com/office/powerpoint/2015/10/main">
   <p1510:revLst>
     <p1510:client id="{0417D7CB-BBF3-4B8A-81B0-74A4FE807B43}" v="635" dt="2023-09-25T19:30:09.903"/>
+    <p1510:client id="{2C42117F-A959-4BEF-A7E6-70B9B91FFA4A}" v="10" dt="2023-09-25T19:37:49.080"/>
     <p1510:client id="{606DED9D-327B-49F7-BF97-D70B47602EBD}" v="501" dt="2023-09-25T17:29:41.972"/>
+    <p1510:client id="{DD60EB1F-0CB7-4F47-8F8C-18E8B841B994}" v="238" dt="2023-09-26T03:53:38.458"/>
   </p1510:revLst>
 </p1510:revInfo>
 </file>
@@ -1250,7 +1252,7 @@
   <p:cSld>
     <p:spTree>
       <p:nvGrpSpPr>
-        <p:cNvPr id="1" name="Shape 365"/>
+        <p:cNvPr id="1" name="Shape 347"/>
         <p:cNvGrpSpPr/>
         <p:nvPr/>
       </p:nvGrpSpPr>
@@ -1264,7 +1266,7 @@
       </p:grpSpPr>
       <p:sp>
         <p:nvSpPr>
-          <p:cNvPr id="366" name="Google Shape;366;g1125d80b419_0_200:notes"/>
+          <p:cNvPr id="348" name="Google Shape;348;g25b22d75719_0_281:notes"/>
           <p:cNvSpPr>
             <a:spLocks noGrp="1" noRot="1" noChangeAspect="1"/>
           </p:cNvSpPr>
@@ -1305,7 +1307,7 @@
       </p:sp>
       <p:sp>
         <p:nvSpPr>
-          <p:cNvPr id="367" name="Google Shape;367;g1125d80b419_0_200:notes"/>
+          <p:cNvPr id="349" name="Google Shape;349;g25b22d75719_0_281:notes"/>
           <p:cNvSpPr txBox="1">
             <a:spLocks noGrp="1"/>
           </p:cNvSpPr>
@@ -1344,7 +1346,7 @@
     </p:spTree>
     <p:extLst>
       <p:ext uri="{BB962C8B-B14F-4D97-AF65-F5344CB8AC3E}">
-        <p14:creationId xmlns:p14="http://schemas.microsoft.com/office/powerpoint/2010/main" val="2649131162"/>
+        <p14:creationId xmlns:p14="http://schemas.microsoft.com/office/powerpoint/2010/main" val="240056452"/>
       </p:ext>
     </p:extLst>
   </p:cSld>
@@ -1468,7 +1470,7 @@
   <p:cSld>
     <p:spTree>
       <p:nvGrpSpPr>
-        <p:cNvPr id="1" name="Shape 365"/>
+        <p:cNvPr id="1" name="Shape 330"/>
         <p:cNvGrpSpPr/>
         <p:nvPr/>
       </p:nvGrpSpPr>
@@ -1482,7 +1484,7 @@
       </p:grpSpPr>
       <p:sp>
         <p:nvSpPr>
-          <p:cNvPr id="366" name="Google Shape;366;g1125d80b419_0_200:notes"/>
+          <p:cNvPr id="331" name="Google Shape;331;g25b52671039_1_1:notes"/>
           <p:cNvSpPr>
             <a:spLocks noGrp="1" noRot="1" noChangeAspect="1"/>
           </p:cNvSpPr>
@@ -1523,7 +1525,7 @@
       </p:sp>
       <p:sp>
         <p:nvSpPr>
-          <p:cNvPr id="367" name="Google Shape;367;g1125d80b419_0_200:notes"/>
+          <p:cNvPr id="332" name="Google Shape;332;g25b52671039_1_1:notes"/>
           <p:cNvSpPr txBox="1">
             <a:spLocks noGrp="1"/>
           </p:cNvSpPr>
@@ -1562,7 +1564,7 @@
     </p:spTree>
     <p:extLst>
       <p:ext uri="{BB962C8B-B14F-4D97-AF65-F5344CB8AC3E}">
-        <p14:creationId xmlns:p14="http://schemas.microsoft.com/office/powerpoint/2010/main" val="845188047"/>
+        <p14:creationId xmlns:p14="http://schemas.microsoft.com/office/powerpoint/2010/main" val="2159477036"/>
       </p:ext>
     </p:extLst>
   </p:cSld>
@@ -37877,6 +37879,18 @@
   <p:clrMapOvr>
     <a:masterClrMapping/>
   </p:clrMapOvr>
+  <mc:AlternateContent xmlns:mc="http://schemas.openxmlformats.org/markup-compatibility/2006" xmlns:p159="http://schemas.microsoft.com/office/powerpoint/2015/09/main">
+    <mc:Choice Requires="p159">
+      <p:transition spd="slow">
+        <p159:morph option="byObject"/>
+      </p:transition>
+    </mc:Choice>
+    <mc:Fallback xmlns="">
+      <p:transition spd="slow">
+        <p:fade/>
+      </p:transition>
+    </mc:Fallback>
+  </mc:AlternateContent>
 </p:sld>
 </file>
 
@@ -39208,6 +39222,18 @@
   <p:clrMapOvr>
     <a:masterClrMapping/>
   </p:clrMapOvr>
+  <mc:AlternateContent xmlns:mc="http://schemas.openxmlformats.org/markup-compatibility/2006" xmlns:p159="http://schemas.microsoft.com/office/powerpoint/2015/09/main">
+    <mc:Choice Requires="p159">
+      <p:transition spd="slow">
+        <p159:morph option="byObject"/>
+      </p:transition>
+    </mc:Choice>
+    <mc:Fallback xmlns="">
+      <p:transition spd="slow">
+        <p:fade/>
+      </p:transition>
+    </mc:Fallback>
+  </mc:AlternateContent>
 </p:sld>
 </file>
 
@@ -39873,6 +39899,18 @@
   <p:clrMapOvr>
     <a:masterClrMapping/>
   </p:clrMapOvr>
+  <mc:AlternateContent xmlns:mc="http://schemas.openxmlformats.org/markup-compatibility/2006" xmlns:p159="http://schemas.microsoft.com/office/powerpoint/2015/09/main">
+    <mc:Choice Requires="p159">
+      <p:transition spd="slow">
+        <p159:morph option="byObject"/>
+      </p:transition>
+    </mc:Choice>
+    <mc:Fallback xmlns="">
+      <p:transition spd="slow">
+        <p:fade/>
+      </p:transition>
+    </mc:Fallback>
+  </mc:AlternateContent>
 </p:sld>
 </file>
 
@@ -40241,6 +40279,18 @@
   <p:clrMapOvr>
     <a:masterClrMapping/>
   </p:clrMapOvr>
+  <mc:AlternateContent xmlns:mc="http://schemas.openxmlformats.org/markup-compatibility/2006" xmlns:p159="http://schemas.microsoft.com/office/powerpoint/2015/09/main">
+    <mc:Choice Requires="p159">
+      <p:transition spd="slow">
+        <p159:morph option="byObject"/>
+      </p:transition>
+    </mc:Choice>
+    <mc:Fallback xmlns="">
+      <p:transition spd="slow">
+        <p:fade/>
+      </p:transition>
+    </mc:Fallback>
+  </mc:AlternateContent>
 </p:sld>
 </file>
 
@@ -40448,7 +40498,7 @@
         </p:nvSpPr>
         <p:spPr>
           <a:xfrm>
-            <a:off x="720000" y="1084359"/>
+            <a:off x="720000" y="1300019"/>
             <a:ext cx="7087199" cy="2177131"/>
           </a:xfrm>
           <a:prstGeom prst="rect">
@@ -40472,40 +40522,6 @@
                 <a:latin typeface="Syne"/>
               </a:rPr>
               <a:t>Identifying faults, such as non- functioning lights, current leakage and cable breakage, relies on citizen grievances, leading to delays. Also the linemen spends valuable time in manually searching of Fault and fixing them and this can take few days to complete.</a:t>
-            </a:r>
-          </a:p>
-          <a:p>
-            <a:pPr marL="0" indent="0">
-              <a:buNone/>
-            </a:pPr>
-            <a:endParaRPr lang="en" sz="1800" b="1" dirty="0">
-              <a:solidFill>
-                <a:schemeClr val="accent3"/>
-              </a:solidFill>
-              <a:latin typeface="Syne"/>
-            </a:endParaRPr>
-          </a:p>
-          <a:p>
-            <a:pPr marL="0" indent="0">
-              <a:buNone/>
-            </a:pPr>
-            <a:r>
-              <a:rPr lang="en" sz="1800" b="1" dirty="0">
-                <a:solidFill>
-                  <a:schemeClr val="accent3"/>
-                </a:solidFill>
-                <a:latin typeface="Syne"/>
-              </a:rPr>
-              <a:t>Smart </a:t>
-            </a:r>
-            <a:r>
-              <a:rPr lang="en" sz="1800" b="1" dirty="0" err="1">
-                <a:solidFill>
-                  <a:schemeClr val="accent3"/>
-                </a:solidFill>
-                <a:latin typeface="Syne"/>
-              </a:rPr>
-              <a:t>Lighitng</a:t>
             </a:r>
           </a:p>
         </p:txBody>
@@ -40855,10 +40871,726 @@
   <p:clrMapOvr>
     <a:masterClrMapping/>
   </p:clrMapOvr>
+  <mc:AlternateContent xmlns:mc="http://schemas.openxmlformats.org/markup-compatibility/2006" xmlns:p159="http://schemas.microsoft.com/office/powerpoint/2015/09/main">
+    <mc:Choice Requires="p159">
+      <p:transition spd="slow">
+        <p159:morph option="byObject"/>
+      </p:transition>
+    </mc:Choice>
+    <mc:Fallback xmlns="">
+      <p:transition spd="slow">
+        <p:fade/>
+      </p:transition>
+    </mc:Fallback>
+  </mc:AlternateContent>
 </p:sld>
 </file>
 
 <file path=ppt/slides/slide6.xml><?xml version="1.0" encoding="utf-8"?>
+<p:sld xmlns:a="http://schemas.openxmlformats.org/drawingml/2006/main" xmlns:r="http://schemas.openxmlformats.org/officeDocument/2006/relationships" xmlns:p="http://schemas.openxmlformats.org/presentationml/2006/main">
+  <p:cSld>
+    <p:spTree>
+      <p:nvGrpSpPr>
+        <p:cNvPr id="1" name="Shape 350"/>
+        <p:cNvGrpSpPr/>
+        <p:nvPr/>
+      </p:nvGrpSpPr>
+      <p:grpSpPr>
+        <a:xfrm>
+          <a:off x="0" y="0"/>
+          <a:ext cx="0" cy="0"/>
+          <a:chOff x="0" y="0"/>
+          <a:chExt cx="0" cy="0"/>
+        </a:xfrm>
+      </p:grpSpPr>
+      <p:sp>
+        <p:nvSpPr>
+          <p:cNvPr id="363" name="Google Shape;363;p29"/>
+          <p:cNvSpPr/>
+          <p:nvPr/>
+        </p:nvSpPr>
+        <p:spPr>
+          <a:xfrm rot="2699636">
+            <a:off x="8824153" y="1508820"/>
+            <a:ext cx="524205" cy="3325180"/>
+          </a:xfrm>
+          <a:custGeom>
+            <a:avLst/>
+            <a:gdLst/>
+            <a:ahLst/>
+            <a:cxnLst/>
+            <a:rect l="l" t="t" r="r" b="b"/>
+            <a:pathLst>
+              <a:path w="10455" h="66319" extrusionOk="0">
+                <a:moveTo>
+                  <a:pt x="1" y="1"/>
+                </a:moveTo>
+                <a:lnTo>
+                  <a:pt x="1" y="61091"/>
+                </a:lnTo>
+                <a:cubicBezTo>
+                  <a:pt x="1" y="63985"/>
+                  <a:pt x="2334" y="66318"/>
+                  <a:pt x="5227" y="66318"/>
+                </a:cubicBezTo>
+                <a:cubicBezTo>
+                  <a:pt x="8109" y="66318"/>
+                  <a:pt x="10454" y="63973"/>
+                  <a:pt x="10454" y="61091"/>
+                </a:cubicBezTo>
+                <a:lnTo>
+                  <a:pt x="10454" y="1"/>
+                </a:lnTo>
+                <a:close/>
+              </a:path>
+            </a:pathLst>
+          </a:custGeom>
+          <a:solidFill>
+            <a:schemeClr val="lt2"/>
+          </a:solidFill>
+          <a:ln>
+            <a:noFill/>
+          </a:ln>
+        </p:spPr>
+        <p:txBody>
+          <a:bodyPr spcFirstLastPara="1" wrap="square" lIns="91425" tIns="91425" rIns="91425" bIns="91425" anchor="ctr" anchorCtr="0">
+            <a:noAutofit/>
+          </a:bodyPr>
+          <a:lstStyle/>
+          <a:p>
+            <a:pPr marL="0" lvl="0" indent="0" algn="l" rtl="0">
+              <a:spcBef>
+                <a:spcPts val="0"/>
+              </a:spcBef>
+              <a:spcAft>
+                <a:spcPts val="0"/>
+              </a:spcAft>
+              <a:buNone/>
+            </a:pPr>
+            <a:endParaRPr/>
+          </a:p>
+        </p:txBody>
+      </p:sp>
+      <p:sp>
+        <p:nvSpPr>
+          <p:cNvPr id="27" name="Google Shape;371;p30">
+            <a:extLst>
+              <a:ext uri="{FF2B5EF4-FFF2-40B4-BE49-F238E27FC236}">
+                <a16:creationId xmlns:a16="http://schemas.microsoft.com/office/drawing/2014/main" id="{A5A76082-4520-E639-8C7C-701076991AE3}"/>
+              </a:ext>
+            </a:extLst>
+          </p:cNvPr>
+          <p:cNvSpPr txBox="1">
+            <a:spLocks/>
+          </p:cNvSpPr>
+          <p:nvPr/>
+        </p:nvSpPr>
+        <p:spPr>
+          <a:xfrm>
+            <a:off x="720000" y="1653778"/>
+            <a:ext cx="7017015" cy="1525421"/>
+          </a:xfrm>
+          <a:prstGeom prst="rect">
+            <a:avLst/>
+          </a:prstGeom>
+          <a:noFill/>
+          <a:ln>
+            <a:noFill/>
+          </a:ln>
+        </p:spPr>
+        <p:txBody>
+          <a:bodyPr spcFirstLastPara="1" wrap="square" lIns="91425" tIns="91425" rIns="91425" bIns="91425" anchor="t" anchorCtr="0">
+            <a:noAutofit/>
+          </a:bodyPr>
+          <a:lstStyle>
+            <a:defPPr marR="0" lvl="0" algn="l" rtl="0">
+              <a:lnSpc>
+                <a:spcPct val="100000"/>
+              </a:lnSpc>
+              <a:spcBef>
+                <a:spcPts val="0"/>
+              </a:spcBef>
+              <a:spcAft>
+                <a:spcPts val="0"/>
+              </a:spcAft>
+            </a:defPPr>
+            <a:lvl1pPr marL="457200" marR="0" lvl="0" indent="-304800" algn="l" rtl="0">
+              <a:lnSpc>
+                <a:spcPct val="100000"/>
+              </a:lnSpc>
+              <a:spcBef>
+                <a:spcPts val="0"/>
+              </a:spcBef>
+              <a:spcAft>
+                <a:spcPts val="0"/>
+              </a:spcAft>
+              <a:buClr>
+                <a:schemeClr val="dk1"/>
+              </a:buClr>
+              <a:buSzPts val="2400"/>
+              <a:buFont typeface="Bebas Neue"/>
+              <a:buNone/>
+              <a:defRPr sz="1800" b="1" i="0" u="none" strike="noStrike" cap="none">
+                <a:solidFill>
+                  <a:schemeClr val="dk1"/>
+                </a:solidFill>
+                <a:latin typeface="Syne"/>
+                <a:ea typeface="Syne"/>
+                <a:cs typeface="Syne"/>
+                <a:sym typeface="Syne"/>
+              </a:defRPr>
+            </a:lvl1pPr>
+            <a:lvl2pPr marL="914400" marR="0" lvl="1" indent="-304800" algn="l" rtl="0">
+              <a:lnSpc>
+                <a:spcPct val="100000"/>
+              </a:lnSpc>
+              <a:spcBef>
+                <a:spcPts val="0"/>
+              </a:spcBef>
+              <a:spcAft>
+                <a:spcPts val="0"/>
+              </a:spcAft>
+              <a:buClr>
+                <a:schemeClr val="dk1"/>
+              </a:buClr>
+              <a:buSzPts val="2400"/>
+              <a:buFont typeface="Bebas Neue"/>
+              <a:buNone/>
+              <a:defRPr sz="2400" b="0" i="0" u="none" strike="noStrike" cap="none">
+                <a:solidFill>
+                  <a:schemeClr val="dk1"/>
+                </a:solidFill>
+                <a:latin typeface="Bebas Neue"/>
+                <a:ea typeface="Bebas Neue"/>
+                <a:cs typeface="Bebas Neue"/>
+                <a:sym typeface="Bebas Neue"/>
+              </a:defRPr>
+            </a:lvl2pPr>
+            <a:lvl3pPr marL="1371600" marR="0" lvl="2" indent="-304800" algn="l" rtl="0">
+              <a:lnSpc>
+                <a:spcPct val="100000"/>
+              </a:lnSpc>
+              <a:spcBef>
+                <a:spcPts val="0"/>
+              </a:spcBef>
+              <a:spcAft>
+                <a:spcPts val="0"/>
+              </a:spcAft>
+              <a:buClr>
+                <a:schemeClr val="dk1"/>
+              </a:buClr>
+              <a:buSzPts val="2400"/>
+              <a:buFont typeface="Bebas Neue"/>
+              <a:buNone/>
+              <a:defRPr sz="2400" b="0" i="0" u="none" strike="noStrike" cap="none">
+                <a:solidFill>
+                  <a:schemeClr val="dk1"/>
+                </a:solidFill>
+                <a:latin typeface="Bebas Neue"/>
+                <a:ea typeface="Bebas Neue"/>
+                <a:cs typeface="Bebas Neue"/>
+                <a:sym typeface="Bebas Neue"/>
+              </a:defRPr>
+            </a:lvl3pPr>
+            <a:lvl4pPr marL="1828800" marR="0" lvl="3" indent="-304800" algn="l" rtl="0">
+              <a:lnSpc>
+                <a:spcPct val="100000"/>
+              </a:lnSpc>
+              <a:spcBef>
+                <a:spcPts val="0"/>
+              </a:spcBef>
+              <a:spcAft>
+                <a:spcPts val="0"/>
+              </a:spcAft>
+              <a:buClr>
+                <a:schemeClr val="dk1"/>
+              </a:buClr>
+              <a:buSzPts val="2400"/>
+              <a:buFont typeface="Bebas Neue"/>
+              <a:buNone/>
+              <a:defRPr sz="2400" b="0" i="0" u="none" strike="noStrike" cap="none">
+                <a:solidFill>
+                  <a:schemeClr val="dk1"/>
+                </a:solidFill>
+                <a:latin typeface="Bebas Neue"/>
+                <a:ea typeface="Bebas Neue"/>
+                <a:cs typeface="Bebas Neue"/>
+                <a:sym typeface="Bebas Neue"/>
+              </a:defRPr>
+            </a:lvl4pPr>
+            <a:lvl5pPr marL="2286000" marR="0" lvl="4" indent="-304800" algn="l" rtl="0">
+              <a:lnSpc>
+                <a:spcPct val="100000"/>
+              </a:lnSpc>
+              <a:spcBef>
+                <a:spcPts val="0"/>
+              </a:spcBef>
+              <a:spcAft>
+                <a:spcPts val="0"/>
+              </a:spcAft>
+              <a:buClr>
+                <a:schemeClr val="dk1"/>
+              </a:buClr>
+              <a:buSzPts val="2400"/>
+              <a:buFont typeface="Bebas Neue"/>
+              <a:buNone/>
+              <a:defRPr sz="2400" b="0" i="0" u="none" strike="noStrike" cap="none">
+                <a:solidFill>
+                  <a:schemeClr val="dk1"/>
+                </a:solidFill>
+                <a:latin typeface="Bebas Neue"/>
+                <a:ea typeface="Bebas Neue"/>
+                <a:cs typeface="Bebas Neue"/>
+                <a:sym typeface="Bebas Neue"/>
+              </a:defRPr>
+            </a:lvl5pPr>
+            <a:lvl6pPr marL="2743200" marR="0" lvl="5" indent="-304800" algn="l" rtl="0">
+              <a:lnSpc>
+                <a:spcPct val="100000"/>
+              </a:lnSpc>
+              <a:spcBef>
+                <a:spcPts val="0"/>
+              </a:spcBef>
+              <a:spcAft>
+                <a:spcPts val="0"/>
+              </a:spcAft>
+              <a:buClr>
+                <a:schemeClr val="dk1"/>
+              </a:buClr>
+              <a:buSzPts val="2400"/>
+              <a:buFont typeface="Bebas Neue"/>
+              <a:buNone/>
+              <a:defRPr sz="2400" b="0" i="0" u="none" strike="noStrike" cap="none">
+                <a:solidFill>
+                  <a:schemeClr val="dk1"/>
+                </a:solidFill>
+                <a:latin typeface="Bebas Neue"/>
+                <a:ea typeface="Bebas Neue"/>
+                <a:cs typeface="Bebas Neue"/>
+                <a:sym typeface="Bebas Neue"/>
+              </a:defRPr>
+            </a:lvl6pPr>
+            <a:lvl7pPr marL="3200400" marR="0" lvl="6" indent="-304800" algn="l" rtl="0">
+              <a:lnSpc>
+                <a:spcPct val="100000"/>
+              </a:lnSpc>
+              <a:spcBef>
+                <a:spcPts val="0"/>
+              </a:spcBef>
+              <a:spcAft>
+                <a:spcPts val="0"/>
+              </a:spcAft>
+              <a:buClr>
+                <a:schemeClr val="dk1"/>
+              </a:buClr>
+              <a:buSzPts val="2400"/>
+              <a:buFont typeface="Bebas Neue"/>
+              <a:buNone/>
+              <a:defRPr sz="2400" b="0" i="0" u="none" strike="noStrike" cap="none">
+                <a:solidFill>
+                  <a:schemeClr val="dk1"/>
+                </a:solidFill>
+                <a:latin typeface="Bebas Neue"/>
+                <a:ea typeface="Bebas Neue"/>
+                <a:cs typeface="Bebas Neue"/>
+                <a:sym typeface="Bebas Neue"/>
+              </a:defRPr>
+            </a:lvl7pPr>
+            <a:lvl8pPr marL="3657600" marR="0" lvl="7" indent="-304800" algn="l" rtl="0">
+              <a:lnSpc>
+                <a:spcPct val="100000"/>
+              </a:lnSpc>
+              <a:spcBef>
+                <a:spcPts val="0"/>
+              </a:spcBef>
+              <a:spcAft>
+                <a:spcPts val="0"/>
+              </a:spcAft>
+              <a:buClr>
+                <a:schemeClr val="dk1"/>
+              </a:buClr>
+              <a:buSzPts val="2400"/>
+              <a:buFont typeface="Bebas Neue"/>
+              <a:buNone/>
+              <a:defRPr sz="2400" b="0" i="0" u="none" strike="noStrike" cap="none">
+                <a:solidFill>
+                  <a:schemeClr val="dk1"/>
+                </a:solidFill>
+                <a:latin typeface="Bebas Neue"/>
+                <a:ea typeface="Bebas Neue"/>
+                <a:cs typeface="Bebas Neue"/>
+                <a:sym typeface="Bebas Neue"/>
+              </a:defRPr>
+            </a:lvl8pPr>
+            <a:lvl9pPr marL="4114800" marR="0" lvl="8" indent="-304800" algn="l" rtl="0">
+              <a:lnSpc>
+                <a:spcPct val="100000"/>
+              </a:lnSpc>
+              <a:spcBef>
+                <a:spcPts val="0"/>
+              </a:spcBef>
+              <a:spcAft>
+                <a:spcPts val="0"/>
+              </a:spcAft>
+              <a:buClr>
+                <a:schemeClr val="dk1"/>
+              </a:buClr>
+              <a:buSzPts val="2400"/>
+              <a:buFont typeface="Bebas Neue"/>
+              <a:buNone/>
+              <a:defRPr sz="2400" b="0" i="0" u="none" strike="noStrike" cap="none">
+                <a:solidFill>
+                  <a:schemeClr val="dk1"/>
+                </a:solidFill>
+                <a:latin typeface="Bebas Neue"/>
+                <a:ea typeface="Bebas Neue"/>
+                <a:cs typeface="Bebas Neue"/>
+                <a:sym typeface="Bebas Neue"/>
+              </a:defRPr>
+            </a:lvl9pPr>
+          </a:lstStyle>
+          <a:p>
+            <a:pPr marL="0" indent="0"/>
+            <a:r>
+              <a:rPr lang="en" dirty="0">
+                <a:solidFill>
+                  <a:schemeClr val="accent3"/>
+                </a:solidFill>
+              </a:rPr>
+              <a:t>So we will create a monitoring device which will notify the linemen whenever any street light is having fault and also the geographical location of that particular street light will be sent to the linemen.</a:t>
+            </a:r>
+            <a:endParaRPr lang="en-US" dirty="0">
+              <a:solidFill>
+                <a:schemeClr val="accent3"/>
+              </a:solidFill>
+            </a:endParaRPr>
+          </a:p>
+          <a:p>
+            <a:pPr marL="0" indent="0"/>
+            <a:r>
+              <a:rPr lang="en" dirty="0">
+                <a:solidFill>
+                  <a:schemeClr val="accent3"/>
+                </a:solidFill>
+              </a:rPr>
+              <a:t>This device will be mounted on the street lights keeping in mind the Cost Effectiveness.</a:t>
+            </a:r>
+          </a:p>
+        </p:txBody>
+      </p:sp>
+      <p:sp>
+        <p:nvSpPr>
+          <p:cNvPr id="29" name="Google Shape;370;p30">
+            <a:extLst>
+              <a:ext uri="{FF2B5EF4-FFF2-40B4-BE49-F238E27FC236}">
+                <a16:creationId xmlns:a16="http://schemas.microsoft.com/office/drawing/2014/main" id="{576BF323-21FF-C309-8C52-6223CAE21D30}"/>
+              </a:ext>
+            </a:extLst>
+          </p:cNvPr>
+          <p:cNvSpPr txBox="1">
+            <a:spLocks/>
+          </p:cNvSpPr>
+          <p:nvPr/>
+        </p:nvSpPr>
+        <p:spPr>
+          <a:xfrm>
+            <a:off x="872400" y="683689"/>
+            <a:ext cx="4229700" cy="572700"/>
+          </a:xfrm>
+          <a:prstGeom prst="rect">
+            <a:avLst/>
+          </a:prstGeom>
+          <a:noFill/>
+          <a:ln>
+            <a:noFill/>
+          </a:ln>
+        </p:spPr>
+        <p:txBody>
+          <a:bodyPr spcFirstLastPara="1" wrap="square" lIns="91425" tIns="91425" rIns="91425" bIns="91425" anchor="t" anchorCtr="0">
+            <a:noAutofit/>
+          </a:bodyPr>
+          <a:lstStyle>
+            <a:defPPr marR="0" lvl="0" algn="l" rtl="0">
+              <a:lnSpc>
+                <a:spcPct val="100000"/>
+              </a:lnSpc>
+              <a:spcBef>
+                <a:spcPts val="0"/>
+              </a:spcBef>
+              <a:spcAft>
+                <a:spcPts val="0"/>
+              </a:spcAft>
+            </a:defPPr>
+            <a:lvl1pPr marR="0" lvl="0" algn="l" rtl="0">
+              <a:lnSpc>
+                <a:spcPct val="100000"/>
+              </a:lnSpc>
+              <a:spcBef>
+                <a:spcPts val="0"/>
+              </a:spcBef>
+              <a:spcAft>
+                <a:spcPts val="0"/>
+              </a:spcAft>
+              <a:buClr>
+                <a:schemeClr val="dk1"/>
+              </a:buClr>
+              <a:buSzPts val="3000"/>
+              <a:buFont typeface="Syne"/>
+              <a:buNone/>
+              <a:defRPr sz="3000" b="1" i="0" u="none" strike="noStrike" cap="none">
+                <a:solidFill>
+                  <a:schemeClr val="dk1"/>
+                </a:solidFill>
+                <a:latin typeface="Syne"/>
+                <a:ea typeface="Syne"/>
+                <a:cs typeface="Syne"/>
+                <a:sym typeface="Syne"/>
+              </a:defRPr>
+            </a:lvl1pPr>
+            <a:lvl2pPr marR="0" lvl="1" algn="l" rtl="0">
+              <a:lnSpc>
+                <a:spcPct val="100000"/>
+              </a:lnSpc>
+              <a:spcBef>
+                <a:spcPts val="0"/>
+              </a:spcBef>
+              <a:spcAft>
+                <a:spcPts val="0"/>
+              </a:spcAft>
+              <a:buClr>
+                <a:schemeClr val="dk1"/>
+              </a:buClr>
+              <a:buSzPts val="3000"/>
+              <a:buFont typeface="Montserrat"/>
+              <a:buNone/>
+              <a:defRPr sz="3000" b="1" i="0" u="none" strike="noStrike" cap="none">
+                <a:solidFill>
+                  <a:schemeClr val="dk1"/>
+                </a:solidFill>
+                <a:latin typeface="Montserrat"/>
+                <a:ea typeface="Montserrat"/>
+                <a:cs typeface="Montserrat"/>
+                <a:sym typeface="Montserrat"/>
+              </a:defRPr>
+            </a:lvl2pPr>
+            <a:lvl3pPr marR="0" lvl="2" algn="l" rtl="0">
+              <a:lnSpc>
+                <a:spcPct val="100000"/>
+              </a:lnSpc>
+              <a:spcBef>
+                <a:spcPts val="0"/>
+              </a:spcBef>
+              <a:spcAft>
+                <a:spcPts val="0"/>
+              </a:spcAft>
+              <a:buClr>
+                <a:schemeClr val="dk1"/>
+              </a:buClr>
+              <a:buSzPts val="3000"/>
+              <a:buFont typeface="Montserrat"/>
+              <a:buNone/>
+              <a:defRPr sz="3000" b="1" i="0" u="none" strike="noStrike" cap="none">
+                <a:solidFill>
+                  <a:schemeClr val="dk1"/>
+                </a:solidFill>
+                <a:latin typeface="Montserrat"/>
+                <a:ea typeface="Montserrat"/>
+                <a:cs typeface="Montserrat"/>
+                <a:sym typeface="Montserrat"/>
+              </a:defRPr>
+            </a:lvl3pPr>
+            <a:lvl4pPr marR="0" lvl="3" algn="l" rtl="0">
+              <a:lnSpc>
+                <a:spcPct val="100000"/>
+              </a:lnSpc>
+              <a:spcBef>
+                <a:spcPts val="0"/>
+              </a:spcBef>
+              <a:spcAft>
+                <a:spcPts val="0"/>
+              </a:spcAft>
+              <a:buClr>
+                <a:schemeClr val="dk1"/>
+              </a:buClr>
+              <a:buSzPts val="3000"/>
+              <a:buFont typeface="Montserrat"/>
+              <a:buNone/>
+              <a:defRPr sz="3000" b="1" i="0" u="none" strike="noStrike" cap="none">
+                <a:solidFill>
+                  <a:schemeClr val="dk1"/>
+                </a:solidFill>
+                <a:latin typeface="Montserrat"/>
+                <a:ea typeface="Montserrat"/>
+                <a:cs typeface="Montserrat"/>
+                <a:sym typeface="Montserrat"/>
+              </a:defRPr>
+            </a:lvl4pPr>
+            <a:lvl5pPr marR="0" lvl="4" algn="l" rtl="0">
+              <a:lnSpc>
+                <a:spcPct val="100000"/>
+              </a:lnSpc>
+              <a:spcBef>
+                <a:spcPts val="0"/>
+              </a:spcBef>
+              <a:spcAft>
+                <a:spcPts val="0"/>
+              </a:spcAft>
+              <a:buClr>
+                <a:schemeClr val="dk1"/>
+              </a:buClr>
+              <a:buSzPts val="3000"/>
+              <a:buFont typeface="Montserrat"/>
+              <a:buNone/>
+              <a:defRPr sz="3000" b="1" i="0" u="none" strike="noStrike" cap="none">
+                <a:solidFill>
+                  <a:schemeClr val="dk1"/>
+                </a:solidFill>
+                <a:latin typeface="Montserrat"/>
+                <a:ea typeface="Montserrat"/>
+                <a:cs typeface="Montserrat"/>
+                <a:sym typeface="Montserrat"/>
+              </a:defRPr>
+            </a:lvl5pPr>
+            <a:lvl6pPr marR="0" lvl="5" algn="l" rtl="0">
+              <a:lnSpc>
+                <a:spcPct val="100000"/>
+              </a:lnSpc>
+              <a:spcBef>
+                <a:spcPts val="0"/>
+              </a:spcBef>
+              <a:spcAft>
+                <a:spcPts val="0"/>
+              </a:spcAft>
+              <a:buClr>
+                <a:schemeClr val="dk1"/>
+              </a:buClr>
+              <a:buSzPts val="3000"/>
+              <a:buFont typeface="Montserrat"/>
+              <a:buNone/>
+              <a:defRPr sz="3000" b="1" i="0" u="none" strike="noStrike" cap="none">
+                <a:solidFill>
+                  <a:schemeClr val="dk1"/>
+                </a:solidFill>
+                <a:latin typeface="Montserrat"/>
+                <a:ea typeface="Montserrat"/>
+                <a:cs typeface="Montserrat"/>
+                <a:sym typeface="Montserrat"/>
+              </a:defRPr>
+            </a:lvl6pPr>
+            <a:lvl7pPr marR="0" lvl="6" algn="l" rtl="0">
+              <a:lnSpc>
+                <a:spcPct val="100000"/>
+              </a:lnSpc>
+              <a:spcBef>
+                <a:spcPts val="0"/>
+              </a:spcBef>
+              <a:spcAft>
+                <a:spcPts val="0"/>
+              </a:spcAft>
+              <a:buClr>
+                <a:schemeClr val="dk1"/>
+              </a:buClr>
+              <a:buSzPts val="3000"/>
+              <a:buFont typeface="Montserrat"/>
+              <a:buNone/>
+              <a:defRPr sz="3000" b="1" i="0" u="none" strike="noStrike" cap="none">
+                <a:solidFill>
+                  <a:schemeClr val="dk1"/>
+                </a:solidFill>
+                <a:latin typeface="Montserrat"/>
+                <a:ea typeface="Montserrat"/>
+                <a:cs typeface="Montserrat"/>
+                <a:sym typeface="Montserrat"/>
+              </a:defRPr>
+            </a:lvl7pPr>
+            <a:lvl8pPr marR="0" lvl="7" algn="l" rtl="0">
+              <a:lnSpc>
+                <a:spcPct val="100000"/>
+              </a:lnSpc>
+              <a:spcBef>
+                <a:spcPts val="0"/>
+              </a:spcBef>
+              <a:spcAft>
+                <a:spcPts val="0"/>
+              </a:spcAft>
+              <a:buClr>
+                <a:schemeClr val="dk1"/>
+              </a:buClr>
+              <a:buSzPts val="3000"/>
+              <a:buFont typeface="Montserrat"/>
+              <a:buNone/>
+              <a:defRPr sz="3000" b="1" i="0" u="none" strike="noStrike" cap="none">
+                <a:solidFill>
+                  <a:schemeClr val="dk1"/>
+                </a:solidFill>
+                <a:latin typeface="Montserrat"/>
+                <a:ea typeface="Montserrat"/>
+                <a:cs typeface="Montserrat"/>
+                <a:sym typeface="Montserrat"/>
+              </a:defRPr>
+            </a:lvl8pPr>
+            <a:lvl9pPr marR="0" lvl="8" algn="l" rtl="0">
+              <a:lnSpc>
+                <a:spcPct val="100000"/>
+              </a:lnSpc>
+              <a:spcBef>
+                <a:spcPts val="0"/>
+              </a:spcBef>
+              <a:spcAft>
+                <a:spcPts val="0"/>
+              </a:spcAft>
+              <a:buClr>
+                <a:schemeClr val="dk1"/>
+              </a:buClr>
+              <a:buSzPts val="3000"/>
+              <a:buFont typeface="Montserrat"/>
+              <a:buNone/>
+              <a:defRPr sz="3000" b="1" i="0" u="none" strike="noStrike" cap="none">
+                <a:solidFill>
+                  <a:schemeClr val="dk1"/>
+                </a:solidFill>
+                <a:latin typeface="Montserrat"/>
+                <a:ea typeface="Montserrat"/>
+                <a:cs typeface="Montserrat"/>
+                <a:sym typeface="Montserrat"/>
+              </a:defRPr>
+            </a:lvl9pPr>
+          </a:lstStyle>
+          <a:p>
+            <a:r>
+              <a:rPr lang="en"/>
+              <a:t>New Solution</a:t>
+            </a:r>
+            <a:endParaRPr lang="en-US"/>
+          </a:p>
+        </p:txBody>
+      </p:sp>
+    </p:spTree>
+    <p:extLst>
+      <p:ext uri="{BB962C8B-B14F-4D97-AF65-F5344CB8AC3E}">
+        <p14:creationId xmlns:p14="http://schemas.microsoft.com/office/powerpoint/2010/main" val="3664930919"/>
+      </p:ext>
+    </p:extLst>
+  </p:cSld>
+  <p:clrMapOvr>
+    <a:masterClrMapping/>
+  </p:clrMapOvr>
+  <mc:AlternateContent xmlns:mc="http://schemas.openxmlformats.org/markup-compatibility/2006" xmlns:p159="http://schemas.microsoft.com/office/powerpoint/2015/09/main">
+    <mc:Choice Requires="p159">
+      <p:transition spd="slow">
+        <p159:morph option="byObject"/>
+      </p:transition>
+    </mc:Choice>
+    <mc:Fallback xmlns="">
+      <p:transition spd="slow">
+        <p:fade/>
+      </p:transition>
+    </mc:Fallback>
+  </mc:AlternateContent>
+</p:sld>
+</file>
+
+<file path=ppt/slides/slide7.xml><?xml version="1.0" encoding="utf-8"?>
 <p:sld xmlns:a="http://schemas.openxmlformats.org/drawingml/2006/main" xmlns:r="http://schemas.openxmlformats.org/officeDocument/2006/relationships" xmlns:p="http://schemas.openxmlformats.org/presentationml/2006/main">
   <p:cSld>
     <p:spTree>
@@ -41019,39 +41751,6 @@
       </p:sp>
       <p:sp>
         <p:nvSpPr>
-          <p:cNvPr id="370" name="Google Shape;370;p30"/>
-          <p:cNvSpPr txBox="1">
-            <a:spLocks noGrp="1"/>
-          </p:cNvSpPr>
-          <p:nvPr>
-            <p:ph type="title"/>
-          </p:nvPr>
-        </p:nvSpPr>
-        <p:spPr>
-          <a:xfrm>
-            <a:off x="720000" y="445025"/>
-            <a:ext cx="4229700" cy="572700"/>
-          </a:xfrm>
-          <a:prstGeom prst="rect">
-            <a:avLst/>
-          </a:prstGeom>
-        </p:spPr>
-        <p:txBody>
-          <a:bodyPr spcFirstLastPara="1" wrap="square" lIns="91425" tIns="91425" rIns="91425" bIns="91425" anchor="t" anchorCtr="0">
-            <a:noAutofit/>
-          </a:bodyPr>
-          <a:lstStyle/>
-          <a:p>
-            <a:r>
-              <a:rPr lang="en" dirty="0"/>
-              <a:t>New Solution</a:t>
-            </a:r>
-            <a:endParaRPr lang="en-US" dirty="0"/>
-          </a:p>
-        </p:txBody>
-      </p:sp>
-      <p:sp>
-        <p:nvSpPr>
           <p:cNvPr id="371" name="Google Shape;371;p30"/>
           <p:cNvSpPr txBox="1">
             <a:spLocks noGrp="1"/>
@@ -41075,49 +41774,40 @@
           </a:bodyPr>
           <a:lstStyle/>
           <a:p>
-            <a:pPr marL="0" indent="0">
-              <a:buNone/>
-            </a:pPr>
+            <a:pPr marL="342900" indent="-342900"/>
             <a:r>
-              <a:rPr lang="en" sz="1800" b="1" dirty="0">
+              <a:rPr lang="en" sz="2000" b="1" dirty="0">
                 <a:solidFill>
                   <a:schemeClr val="accent3"/>
                 </a:solidFill>
                 <a:latin typeface="Syne"/>
               </a:rPr>
-              <a:t>So we will create a Device integrating required components like ESP, CT sensor, LDR sensor, GPS sensor, </a:t>
+              <a:t>Application Development, Map Integration, Data Collection, Screening</a:t>
             </a:r>
+            <a:endParaRPr lang="en-US"/>
+          </a:p>
+          <a:p>
+            <a:pPr marL="342900" indent="-342900"/>
             <a:r>
-              <a:rPr lang="en" sz="1800" b="1" dirty="0" err="1">
+              <a:rPr lang="en" sz="2000" b="1" dirty="0">
                 <a:solidFill>
                   <a:schemeClr val="accent3"/>
                 </a:solidFill>
                 <a:latin typeface="Syne"/>
               </a:rPr>
-              <a:t>etc</a:t>
+              <a:t>Prototype Device</a:t>
             </a:r>
+          </a:p>
+          <a:p>
+            <a:pPr marL="342900" indent="-342900"/>
             <a:r>
-              <a:rPr lang="en" sz="1800" b="1" dirty="0">
+              <a:rPr lang="en" sz="2000" b="1" dirty="0">
                 <a:solidFill>
                   <a:schemeClr val="accent3"/>
                 </a:solidFill>
                 <a:latin typeface="Syne"/>
               </a:rPr>
-              <a:t> and this device will be mounted on the street lights keeping in mind the Cost Effectiveness.</a:t>
-            </a:r>
-          </a:p>
-          <a:p>
-            <a:pPr marL="0" indent="0">
-              <a:buNone/>
-            </a:pPr>
-            <a:r>
-              <a:rPr lang="en" sz="1800" b="1" dirty="0">
-                <a:solidFill>
-                  <a:schemeClr val="accent3"/>
-                </a:solidFill>
-                <a:latin typeface="Syne"/>
-              </a:rPr>
-              <a:t>The device will detect the fault in the street light and show the location of the Faulty Light</a:t>
+              <a:t>Demonstration</a:t>
             </a:r>
           </a:p>
         </p:txBody>
@@ -41462,25 +42152,609 @@
           </a:p>
         </p:txBody>
       </p:sp>
+      <p:sp>
+        <p:nvSpPr>
+          <p:cNvPr id="3" name="Google Shape;370;p30">
+            <a:extLst>
+              <a:ext uri="{FF2B5EF4-FFF2-40B4-BE49-F238E27FC236}">
+                <a16:creationId xmlns:a16="http://schemas.microsoft.com/office/drawing/2014/main" id="{320CFB65-02AE-D839-12E9-EB2BA559489C}"/>
+              </a:ext>
+            </a:extLst>
+          </p:cNvPr>
+          <p:cNvSpPr txBox="1">
+            <a:spLocks/>
+          </p:cNvSpPr>
+          <p:nvPr/>
+        </p:nvSpPr>
+        <p:spPr>
+          <a:xfrm>
+            <a:off x="872400" y="521944"/>
+            <a:ext cx="4229700" cy="572700"/>
+          </a:xfrm>
+          <a:prstGeom prst="rect">
+            <a:avLst/>
+          </a:prstGeom>
+          <a:noFill/>
+          <a:ln>
+            <a:noFill/>
+          </a:ln>
+        </p:spPr>
+        <p:txBody>
+          <a:bodyPr spcFirstLastPara="1" wrap="square" lIns="91425" tIns="91425" rIns="91425" bIns="91425" anchor="t" anchorCtr="0">
+            <a:noAutofit/>
+          </a:bodyPr>
+          <a:lstStyle>
+            <a:defPPr marR="0" lvl="0" algn="l" rtl="0">
+              <a:lnSpc>
+                <a:spcPct val="100000"/>
+              </a:lnSpc>
+              <a:spcBef>
+                <a:spcPts val="0"/>
+              </a:spcBef>
+              <a:spcAft>
+                <a:spcPts val="0"/>
+              </a:spcAft>
+            </a:defPPr>
+            <a:lvl1pPr marR="0" lvl="0" algn="l" rtl="0">
+              <a:lnSpc>
+                <a:spcPct val="100000"/>
+              </a:lnSpc>
+              <a:spcBef>
+                <a:spcPts val="0"/>
+              </a:spcBef>
+              <a:spcAft>
+                <a:spcPts val="0"/>
+              </a:spcAft>
+              <a:buClr>
+                <a:schemeClr val="dk1"/>
+              </a:buClr>
+              <a:buSzPts val="3000"/>
+              <a:buFont typeface="Syne"/>
+              <a:buNone/>
+              <a:defRPr sz="3000" b="1" i="0" u="none" strike="noStrike" cap="none">
+                <a:solidFill>
+                  <a:schemeClr val="dk1"/>
+                </a:solidFill>
+                <a:latin typeface="Syne"/>
+                <a:ea typeface="Syne"/>
+                <a:cs typeface="Syne"/>
+                <a:sym typeface="Syne"/>
+              </a:defRPr>
+            </a:lvl1pPr>
+            <a:lvl2pPr marR="0" lvl="1" algn="l" rtl="0">
+              <a:lnSpc>
+                <a:spcPct val="100000"/>
+              </a:lnSpc>
+              <a:spcBef>
+                <a:spcPts val="0"/>
+              </a:spcBef>
+              <a:spcAft>
+                <a:spcPts val="0"/>
+              </a:spcAft>
+              <a:buClr>
+                <a:schemeClr val="dk1"/>
+              </a:buClr>
+              <a:buSzPts val="3000"/>
+              <a:buFont typeface="Montserrat"/>
+              <a:buNone/>
+              <a:defRPr sz="3000" b="1" i="0" u="none" strike="noStrike" cap="none">
+                <a:solidFill>
+                  <a:schemeClr val="dk1"/>
+                </a:solidFill>
+                <a:latin typeface="Montserrat"/>
+                <a:ea typeface="Montserrat"/>
+                <a:cs typeface="Montserrat"/>
+                <a:sym typeface="Montserrat"/>
+              </a:defRPr>
+            </a:lvl2pPr>
+            <a:lvl3pPr marR="0" lvl="2" algn="l" rtl="0">
+              <a:lnSpc>
+                <a:spcPct val="100000"/>
+              </a:lnSpc>
+              <a:spcBef>
+                <a:spcPts val="0"/>
+              </a:spcBef>
+              <a:spcAft>
+                <a:spcPts val="0"/>
+              </a:spcAft>
+              <a:buClr>
+                <a:schemeClr val="dk1"/>
+              </a:buClr>
+              <a:buSzPts val="3000"/>
+              <a:buFont typeface="Montserrat"/>
+              <a:buNone/>
+              <a:defRPr sz="3000" b="1" i="0" u="none" strike="noStrike" cap="none">
+                <a:solidFill>
+                  <a:schemeClr val="dk1"/>
+                </a:solidFill>
+                <a:latin typeface="Montserrat"/>
+                <a:ea typeface="Montserrat"/>
+                <a:cs typeface="Montserrat"/>
+                <a:sym typeface="Montserrat"/>
+              </a:defRPr>
+            </a:lvl3pPr>
+            <a:lvl4pPr marR="0" lvl="3" algn="l" rtl="0">
+              <a:lnSpc>
+                <a:spcPct val="100000"/>
+              </a:lnSpc>
+              <a:spcBef>
+                <a:spcPts val="0"/>
+              </a:spcBef>
+              <a:spcAft>
+                <a:spcPts val="0"/>
+              </a:spcAft>
+              <a:buClr>
+                <a:schemeClr val="dk1"/>
+              </a:buClr>
+              <a:buSzPts val="3000"/>
+              <a:buFont typeface="Montserrat"/>
+              <a:buNone/>
+              <a:defRPr sz="3000" b="1" i="0" u="none" strike="noStrike" cap="none">
+                <a:solidFill>
+                  <a:schemeClr val="dk1"/>
+                </a:solidFill>
+                <a:latin typeface="Montserrat"/>
+                <a:ea typeface="Montserrat"/>
+                <a:cs typeface="Montserrat"/>
+                <a:sym typeface="Montserrat"/>
+              </a:defRPr>
+            </a:lvl4pPr>
+            <a:lvl5pPr marR="0" lvl="4" algn="l" rtl="0">
+              <a:lnSpc>
+                <a:spcPct val="100000"/>
+              </a:lnSpc>
+              <a:spcBef>
+                <a:spcPts val="0"/>
+              </a:spcBef>
+              <a:spcAft>
+                <a:spcPts val="0"/>
+              </a:spcAft>
+              <a:buClr>
+                <a:schemeClr val="dk1"/>
+              </a:buClr>
+              <a:buSzPts val="3000"/>
+              <a:buFont typeface="Montserrat"/>
+              <a:buNone/>
+              <a:defRPr sz="3000" b="1" i="0" u="none" strike="noStrike" cap="none">
+                <a:solidFill>
+                  <a:schemeClr val="dk1"/>
+                </a:solidFill>
+                <a:latin typeface="Montserrat"/>
+                <a:ea typeface="Montserrat"/>
+                <a:cs typeface="Montserrat"/>
+                <a:sym typeface="Montserrat"/>
+              </a:defRPr>
+            </a:lvl5pPr>
+            <a:lvl6pPr marR="0" lvl="5" algn="l" rtl="0">
+              <a:lnSpc>
+                <a:spcPct val="100000"/>
+              </a:lnSpc>
+              <a:spcBef>
+                <a:spcPts val="0"/>
+              </a:spcBef>
+              <a:spcAft>
+                <a:spcPts val="0"/>
+              </a:spcAft>
+              <a:buClr>
+                <a:schemeClr val="dk1"/>
+              </a:buClr>
+              <a:buSzPts val="3000"/>
+              <a:buFont typeface="Montserrat"/>
+              <a:buNone/>
+              <a:defRPr sz="3000" b="1" i="0" u="none" strike="noStrike" cap="none">
+                <a:solidFill>
+                  <a:schemeClr val="dk1"/>
+                </a:solidFill>
+                <a:latin typeface="Montserrat"/>
+                <a:ea typeface="Montserrat"/>
+                <a:cs typeface="Montserrat"/>
+                <a:sym typeface="Montserrat"/>
+              </a:defRPr>
+            </a:lvl6pPr>
+            <a:lvl7pPr marR="0" lvl="6" algn="l" rtl="0">
+              <a:lnSpc>
+                <a:spcPct val="100000"/>
+              </a:lnSpc>
+              <a:spcBef>
+                <a:spcPts val="0"/>
+              </a:spcBef>
+              <a:spcAft>
+                <a:spcPts val="0"/>
+              </a:spcAft>
+              <a:buClr>
+                <a:schemeClr val="dk1"/>
+              </a:buClr>
+              <a:buSzPts val="3000"/>
+              <a:buFont typeface="Montserrat"/>
+              <a:buNone/>
+              <a:defRPr sz="3000" b="1" i="0" u="none" strike="noStrike" cap="none">
+                <a:solidFill>
+                  <a:schemeClr val="dk1"/>
+                </a:solidFill>
+                <a:latin typeface="Montserrat"/>
+                <a:ea typeface="Montserrat"/>
+                <a:cs typeface="Montserrat"/>
+                <a:sym typeface="Montserrat"/>
+              </a:defRPr>
+            </a:lvl7pPr>
+            <a:lvl8pPr marR="0" lvl="7" algn="l" rtl="0">
+              <a:lnSpc>
+                <a:spcPct val="100000"/>
+              </a:lnSpc>
+              <a:spcBef>
+                <a:spcPts val="0"/>
+              </a:spcBef>
+              <a:spcAft>
+                <a:spcPts val="0"/>
+              </a:spcAft>
+              <a:buClr>
+                <a:schemeClr val="dk1"/>
+              </a:buClr>
+              <a:buSzPts val="3000"/>
+              <a:buFont typeface="Montserrat"/>
+              <a:buNone/>
+              <a:defRPr sz="3000" b="1" i="0" u="none" strike="noStrike" cap="none">
+                <a:solidFill>
+                  <a:schemeClr val="dk1"/>
+                </a:solidFill>
+                <a:latin typeface="Montserrat"/>
+                <a:ea typeface="Montserrat"/>
+                <a:cs typeface="Montserrat"/>
+                <a:sym typeface="Montserrat"/>
+              </a:defRPr>
+            </a:lvl8pPr>
+            <a:lvl9pPr marR="0" lvl="8" algn="l" rtl="0">
+              <a:lnSpc>
+                <a:spcPct val="100000"/>
+              </a:lnSpc>
+              <a:spcBef>
+                <a:spcPts val="0"/>
+              </a:spcBef>
+              <a:spcAft>
+                <a:spcPts val="0"/>
+              </a:spcAft>
+              <a:buClr>
+                <a:schemeClr val="dk1"/>
+              </a:buClr>
+              <a:buSzPts val="3000"/>
+              <a:buFont typeface="Montserrat"/>
+              <a:buNone/>
+              <a:defRPr sz="3000" b="1" i="0" u="none" strike="noStrike" cap="none">
+                <a:solidFill>
+                  <a:schemeClr val="dk1"/>
+                </a:solidFill>
+                <a:latin typeface="Montserrat"/>
+                <a:ea typeface="Montserrat"/>
+                <a:cs typeface="Montserrat"/>
+                <a:sym typeface="Montserrat"/>
+              </a:defRPr>
+            </a:lvl9pPr>
+          </a:lstStyle>
+          <a:p>
+            <a:r>
+              <a:rPr lang="en" dirty="0"/>
+              <a:t>Phase wise work </a:t>
+            </a:r>
+          </a:p>
+        </p:txBody>
+      </p:sp>
+      <p:sp>
+        <p:nvSpPr>
+          <p:cNvPr id="6" name="Google Shape;370;p30">
+            <a:extLst>
+              <a:ext uri="{FF2B5EF4-FFF2-40B4-BE49-F238E27FC236}">
+                <a16:creationId xmlns:a16="http://schemas.microsoft.com/office/drawing/2014/main" id="{EBEC1FB9-9015-94BE-3FD1-B32F8907D4F0}"/>
+              </a:ext>
+            </a:extLst>
+          </p:cNvPr>
+          <p:cNvSpPr txBox="1">
+            <a:spLocks/>
+          </p:cNvSpPr>
+          <p:nvPr/>
+        </p:nvSpPr>
+        <p:spPr>
+          <a:xfrm>
+            <a:off x="4527843" y="521944"/>
+            <a:ext cx="4229700" cy="572700"/>
+          </a:xfrm>
+          <a:prstGeom prst="rect">
+            <a:avLst/>
+          </a:prstGeom>
+          <a:noFill/>
+          <a:ln>
+            <a:noFill/>
+          </a:ln>
+        </p:spPr>
+        <p:txBody>
+          <a:bodyPr spcFirstLastPara="1" wrap="square" lIns="91425" tIns="91425" rIns="91425" bIns="91425" anchor="t" anchorCtr="0">
+            <a:noAutofit/>
+          </a:bodyPr>
+          <a:lstStyle>
+            <a:defPPr marR="0" lvl="0" algn="l" rtl="0">
+              <a:lnSpc>
+                <a:spcPct val="100000"/>
+              </a:lnSpc>
+              <a:spcBef>
+                <a:spcPts val="0"/>
+              </a:spcBef>
+              <a:spcAft>
+                <a:spcPts val="0"/>
+              </a:spcAft>
+            </a:defPPr>
+            <a:lvl1pPr marR="0" lvl="0" algn="l" rtl="0">
+              <a:lnSpc>
+                <a:spcPct val="100000"/>
+              </a:lnSpc>
+              <a:spcBef>
+                <a:spcPts val="0"/>
+              </a:spcBef>
+              <a:spcAft>
+                <a:spcPts val="0"/>
+              </a:spcAft>
+              <a:buClr>
+                <a:schemeClr val="dk1"/>
+              </a:buClr>
+              <a:buSzPts val="3000"/>
+              <a:buFont typeface="Syne"/>
+              <a:buNone/>
+              <a:defRPr sz="3000" b="1" i="0" u="none" strike="noStrike" cap="none">
+                <a:solidFill>
+                  <a:schemeClr val="dk1"/>
+                </a:solidFill>
+                <a:latin typeface="Syne"/>
+                <a:ea typeface="Syne"/>
+                <a:cs typeface="Syne"/>
+                <a:sym typeface="Syne"/>
+              </a:defRPr>
+            </a:lvl1pPr>
+            <a:lvl2pPr marR="0" lvl="1" algn="l" rtl="0">
+              <a:lnSpc>
+                <a:spcPct val="100000"/>
+              </a:lnSpc>
+              <a:spcBef>
+                <a:spcPts val="0"/>
+              </a:spcBef>
+              <a:spcAft>
+                <a:spcPts val="0"/>
+              </a:spcAft>
+              <a:buClr>
+                <a:schemeClr val="dk1"/>
+              </a:buClr>
+              <a:buSzPts val="3000"/>
+              <a:buFont typeface="Montserrat"/>
+              <a:buNone/>
+              <a:defRPr sz="3000" b="1" i="0" u="none" strike="noStrike" cap="none">
+                <a:solidFill>
+                  <a:schemeClr val="dk1"/>
+                </a:solidFill>
+                <a:latin typeface="Montserrat"/>
+                <a:ea typeface="Montserrat"/>
+                <a:cs typeface="Montserrat"/>
+                <a:sym typeface="Montserrat"/>
+              </a:defRPr>
+            </a:lvl2pPr>
+            <a:lvl3pPr marR="0" lvl="2" algn="l" rtl="0">
+              <a:lnSpc>
+                <a:spcPct val="100000"/>
+              </a:lnSpc>
+              <a:spcBef>
+                <a:spcPts val="0"/>
+              </a:spcBef>
+              <a:spcAft>
+                <a:spcPts val="0"/>
+              </a:spcAft>
+              <a:buClr>
+                <a:schemeClr val="dk1"/>
+              </a:buClr>
+              <a:buSzPts val="3000"/>
+              <a:buFont typeface="Montserrat"/>
+              <a:buNone/>
+              <a:defRPr sz="3000" b="1" i="0" u="none" strike="noStrike" cap="none">
+                <a:solidFill>
+                  <a:schemeClr val="dk1"/>
+                </a:solidFill>
+                <a:latin typeface="Montserrat"/>
+                <a:ea typeface="Montserrat"/>
+                <a:cs typeface="Montserrat"/>
+                <a:sym typeface="Montserrat"/>
+              </a:defRPr>
+            </a:lvl3pPr>
+            <a:lvl4pPr marR="0" lvl="3" algn="l" rtl="0">
+              <a:lnSpc>
+                <a:spcPct val="100000"/>
+              </a:lnSpc>
+              <a:spcBef>
+                <a:spcPts val="0"/>
+              </a:spcBef>
+              <a:spcAft>
+                <a:spcPts val="0"/>
+              </a:spcAft>
+              <a:buClr>
+                <a:schemeClr val="dk1"/>
+              </a:buClr>
+              <a:buSzPts val="3000"/>
+              <a:buFont typeface="Montserrat"/>
+              <a:buNone/>
+              <a:defRPr sz="3000" b="1" i="0" u="none" strike="noStrike" cap="none">
+                <a:solidFill>
+                  <a:schemeClr val="dk1"/>
+                </a:solidFill>
+                <a:latin typeface="Montserrat"/>
+                <a:ea typeface="Montserrat"/>
+                <a:cs typeface="Montserrat"/>
+                <a:sym typeface="Montserrat"/>
+              </a:defRPr>
+            </a:lvl4pPr>
+            <a:lvl5pPr marR="0" lvl="4" algn="l" rtl="0">
+              <a:lnSpc>
+                <a:spcPct val="100000"/>
+              </a:lnSpc>
+              <a:spcBef>
+                <a:spcPts val="0"/>
+              </a:spcBef>
+              <a:spcAft>
+                <a:spcPts val="0"/>
+              </a:spcAft>
+              <a:buClr>
+                <a:schemeClr val="dk1"/>
+              </a:buClr>
+              <a:buSzPts val="3000"/>
+              <a:buFont typeface="Montserrat"/>
+              <a:buNone/>
+              <a:defRPr sz="3000" b="1" i="0" u="none" strike="noStrike" cap="none">
+                <a:solidFill>
+                  <a:schemeClr val="dk1"/>
+                </a:solidFill>
+                <a:latin typeface="Montserrat"/>
+                <a:ea typeface="Montserrat"/>
+                <a:cs typeface="Montserrat"/>
+                <a:sym typeface="Montserrat"/>
+              </a:defRPr>
+            </a:lvl5pPr>
+            <a:lvl6pPr marR="0" lvl="5" algn="l" rtl="0">
+              <a:lnSpc>
+                <a:spcPct val="100000"/>
+              </a:lnSpc>
+              <a:spcBef>
+                <a:spcPts val="0"/>
+              </a:spcBef>
+              <a:spcAft>
+                <a:spcPts val="0"/>
+              </a:spcAft>
+              <a:buClr>
+                <a:schemeClr val="dk1"/>
+              </a:buClr>
+              <a:buSzPts val="3000"/>
+              <a:buFont typeface="Montserrat"/>
+              <a:buNone/>
+              <a:defRPr sz="3000" b="1" i="0" u="none" strike="noStrike" cap="none">
+                <a:solidFill>
+                  <a:schemeClr val="dk1"/>
+                </a:solidFill>
+                <a:latin typeface="Montserrat"/>
+                <a:ea typeface="Montserrat"/>
+                <a:cs typeface="Montserrat"/>
+                <a:sym typeface="Montserrat"/>
+              </a:defRPr>
+            </a:lvl6pPr>
+            <a:lvl7pPr marR="0" lvl="6" algn="l" rtl="0">
+              <a:lnSpc>
+                <a:spcPct val="100000"/>
+              </a:lnSpc>
+              <a:spcBef>
+                <a:spcPts val="0"/>
+              </a:spcBef>
+              <a:spcAft>
+                <a:spcPts val="0"/>
+              </a:spcAft>
+              <a:buClr>
+                <a:schemeClr val="dk1"/>
+              </a:buClr>
+              <a:buSzPts val="3000"/>
+              <a:buFont typeface="Montserrat"/>
+              <a:buNone/>
+              <a:defRPr sz="3000" b="1" i="0" u="none" strike="noStrike" cap="none">
+                <a:solidFill>
+                  <a:schemeClr val="dk1"/>
+                </a:solidFill>
+                <a:latin typeface="Montserrat"/>
+                <a:ea typeface="Montserrat"/>
+                <a:cs typeface="Montserrat"/>
+                <a:sym typeface="Montserrat"/>
+              </a:defRPr>
+            </a:lvl7pPr>
+            <a:lvl8pPr marR="0" lvl="7" algn="l" rtl="0">
+              <a:lnSpc>
+                <a:spcPct val="100000"/>
+              </a:lnSpc>
+              <a:spcBef>
+                <a:spcPts val="0"/>
+              </a:spcBef>
+              <a:spcAft>
+                <a:spcPts val="0"/>
+              </a:spcAft>
+              <a:buClr>
+                <a:schemeClr val="dk1"/>
+              </a:buClr>
+              <a:buSzPts val="3000"/>
+              <a:buFont typeface="Montserrat"/>
+              <a:buNone/>
+              <a:defRPr sz="3000" b="1" i="0" u="none" strike="noStrike" cap="none">
+                <a:solidFill>
+                  <a:schemeClr val="dk1"/>
+                </a:solidFill>
+                <a:latin typeface="Montserrat"/>
+                <a:ea typeface="Montserrat"/>
+                <a:cs typeface="Montserrat"/>
+                <a:sym typeface="Montserrat"/>
+              </a:defRPr>
+            </a:lvl8pPr>
+            <a:lvl9pPr marR="0" lvl="8" algn="l" rtl="0">
+              <a:lnSpc>
+                <a:spcPct val="100000"/>
+              </a:lnSpc>
+              <a:spcBef>
+                <a:spcPts val="0"/>
+              </a:spcBef>
+              <a:spcAft>
+                <a:spcPts val="0"/>
+              </a:spcAft>
+              <a:buClr>
+                <a:schemeClr val="dk1"/>
+              </a:buClr>
+              <a:buSzPts val="3000"/>
+              <a:buFont typeface="Montserrat"/>
+              <a:buNone/>
+              <a:defRPr sz="3000" b="1" i="0" u="none" strike="noStrike" cap="none">
+                <a:solidFill>
+                  <a:schemeClr val="dk1"/>
+                </a:solidFill>
+                <a:latin typeface="Montserrat"/>
+                <a:ea typeface="Montserrat"/>
+                <a:cs typeface="Montserrat"/>
+                <a:sym typeface="Montserrat"/>
+              </a:defRPr>
+            </a:lvl9pPr>
+          </a:lstStyle>
+          <a:p>
+            <a:r>
+              <a:rPr lang="en" dirty="0" err="1"/>
+              <a:t>Excercise</a:t>
+            </a:r>
+          </a:p>
+        </p:txBody>
+      </p:sp>
     </p:spTree>
     <p:extLst>
       <p:ext uri="{BB962C8B-B14F-4D97-AF65-F5344CB8AC3E}">
-        <p14:creationId xmlns:p14="http://schemas.microsoft.com/office/powerpoint/2010/main" val="325602930"/>
+        <p14:creationId xmlns:p14="http://schemas.microsoft.com/office/powerpoint/2010/main" val="2447194394"/>
       </p:ext>
     </p:extLst>
   </p:cSld>
   <p:clrMapOvr>
     <a:masterClrMapping/>
   </p:clrMapOvr>
+  <mc:AlternateContent xmlns:mc="http://schemas.openxmlformats.org/markup-compatibility/2006" xmlns:p159="http://schemas.microsoft.com/office/powerpoint/2015/09/main">
+    <mc:Choice Requires="p159">
+      <p:transition spd="slow">
+        <p159:morph option="byObject"/>
+      </p:transition>
+    </mc:Choice>
+    <mc:Fallback xmlns="">
+      <p:transition spd="slow">
+        <p:fade/>
+      </p:transition>
+    </mc:Fallback>
+  </mc:AlternateContent>
 </p:sld>
 </file>
 
-<file path=ppt/slides/slide7.xml><?xml version="1.0" encoding="utf-8"?>
+<file path=ppt/slides/slide8.xml><?xml version="1.0" encoding="utf-8"?>
 <p:sld xmlns:a="http://schemas.openxmlformats.org/drawingml/2006/main" xmlns:r="http://schemas.openxmlformats.org/officeDocument/2006/relationships" xmlns:p="http://schemas.openxmlformats.org/presentationml/2006/main">
   <p:cSld>
     <p:spTree>
       <p:nvGrpSpPr>
-        <p:cNvPr id="1" name="Shape 368"/>
+        <p:cNvPr id="1" name="Shape 333"/>
         <p:cNvGrpSpPr/>
         <p:nvPr/>
       </p:nvGrpSpPr>
@@ -41494,14 +42768,82 @@
       </p:grpSpPr>
       <p:sp>
         <p:nvSpPr>
-          <p:cNvPr id="369" name="Google Shape;369;p30"/>
+          <p:cNvPr id="336" name="Google Shape;336;p27"/>
+          <p:cNvSpPr/>
+          <p:nvPr/>
+        </p:nvSpPr>
+        <p:spPr>
+          <a:xfrm rot="2699612">
+            <a:off x="8433021" y="1725010"/>
+            <a:ext cx="491011" cy="3114623"/>
+          </a:xfrm>
+          <a:custGeom>
+            <a:avLst/>
+            <a:gdLst/>
+            <a:ahLst/>
+            <a:cxnLst/>
+            <a:rect l="l" t="t" r="r" b="b"/>
+            <a:pathLst>
+              <a:path w="10455" h="66319" extrusionOk="0">
+                <a:moveTo>
+                  <a:pt x="1" y="1"/>
+                </a:moveTo>
+                <a:lnTo>
+                  <a:pt x="1" y="61091"/>
+                </a:lnTo>
+                <a:cubicBezTo>
+                  <a:pt x="1" y="63985"/>
+                  <a:pt x="2334" y="66318"/>
+                  <a:pt x="5227" y="66318"/>
+                </a:cubicBezTo>
+                <a:cubicBezTo>
+                  <a:pt x="8109" y="66318"/>
+                  <a:pt x="10454" y="63973"/>
+                  <a:pt x="10454" y="61091"/>
+                </a:cubicBezTo>
+                <a:lnTo>
+                  <a:pt x="10454" y="1"/>
+                </a:lnTo>
+                <a:close/>
+              </a:path>
+            </a:pathLst>
+          </a:custGeom>
+          <a:solidFill>
+            <a:schemeClr val="accent1"/>
+          </a:solidFill>
+          <a:ln>
+            <a:noFill/>
+          </a:ln>
+        </p:spPr>
+        <p:txBody>
+          <a:bodyPr spcFirstLastPara="1" wrap="square" lIns="91425" tIns="91425" rIns="91425" bIns="91425" anchor="ctr" anchorCtr="0">
+            <a:noAutofit/>
+          </a:bodyPr>
+          <a:lstStyle/>
+          <a:p>
+            <a:pPr marL="0" lvl="0" indent="0" algn="l" rtl="0">
+              <a:spcBef>
+                <a:spcPts val="0"/>
+              </a:spcBef>
+              <a:spcAft>
+                <a:spcPts val="0"/>
+              </a:spcAft>
+              <a:buNone/>
+            </a:pPr>
+            <a:endParaRPr/>
+          </a:p>
+        </p:txBody>
+      </p:sp>
+      <p:sp>
+        <p:nvSpPr>
+          <p:cNvPr id="337" name="Google Shape;337;p27"/>
           <p:cNvSpPr/>
           <p:nvPr/>
         </p:nvSpPr>
         <p:spPr>
           <a:xfrm rot="10800000">
-            <a:off x="8031783" y="-1160135"/>
-            <a:ext cx="1888617" cy="2048893"/>
+            <a:off x="-4682925" y="2330499"/>
+            <a:ext cx="7057126" cy="7656025"/>
           </a:xfrm>
           <a:custGeom>
             <a:avLst/>
@@ -41609,7 +42951,7 @@
             </a:pathLst>
           </a:custGeom>
           <a:solidFill>
-            <a:schemeClr val="accent2"/>
+            <a:schemeClr val="accent1"/>
           </a:solidFill>
           <a:ln>
             <a:noFill/>
@@ -41636,999 +42978,66 @@
       </p:sp>
       <p:sp>
         <p:nvSpPr>
-          <p:cNvPr id="370" name="Google Shape;370;p30"/>
-          <p:cNvSpPr txBox="1">
+          <p:cNvPr id="6" name="Title 5">
+            <a:extLst>
+              <a:ext uri="{FF2B5EF4-FFF2-40B4-BE49-F238E27FC236}">
+                <a16:creationId xmlns:a16="http://schemas.microsoft.com/office/drawing/2014/main" id="{32B23244-299B-77DC-E253-BF577C19C74F}"/>
+              </a:ext>
+            </a:extLst>
+          </p:cNvPr>
+          <p:cNvSpPr>
             <a:spLocks noGrp="1"/>
           </p:cNvSpPr>
           <p:nvPr>
-            <p:ph type="title"/>
+            <p:ph type="ctrTitle"/>
           </p:nvPr>
         </p:nvSpPr>
         <p:spPr>
           <a:xfrm>
-            <a:off x="720000" y="445025"/>
-            <a:ext cx="6605937" cy="572700"/>
+            <a:off x="3744665" y="1491695"/>
+            <a:ext cx="5313300" cy="1677900"/>
           </a:xfrm>
-          <a:prstGeom prst="rect">
-            <a:avLst/>
-          </a:prstGeom>
         </p:spPr>
         <p:txBody>
-          <a:bodyPr spcFirstLastPara="1" wrap="square" lIns="91425" tIns="91425" rIns="91425" bIns="91425" anchor="t" anchorCtr="0">
-            <a:noAutofit/>
-          </a:bodyPr>
+          <a:bodyPr/>
           <a:lstStyle/>
           <a:p>
             <a:r>
-              <a:rPr lang="en" dirty="0"/>
-              <a:t>Phase Wise Work Execution</a:t>
+              <a:rPr lang="en-US" dirty="0"/>
+              <a:t>Thank </a:t>
             </a:r>
-          </a:p>
-        </p:txBody>
-      </p:sp>
-      <p:sp>
-        <p:nvSpPr>
-          <p:cNvPr id="371" name="Google Shape;371;p30"/>
-          <p:cNvSpPr txBox="1">
-            <a:spLocks noGrp="1"/>
-          </p:cNvSpPr>
-          <p:nvPr>
-            <p:ph type="body" idx="1"/>
-          </p:nvPr>
-        </p:nvSpPr>
-        <p:spPr>
-          <a:xfrm>
-            <a:off x="720000" y="1254806"/>
-            <a:ext cx="7017015" cy="1525421"/>
-          </a:xfrm>
-          <a:prstGeom prst="rect">
-            <a:avLst/>
-          </a:prstGeom>
-        </p:spPr>
-        <p:txBody>
-          <a:bodyPr spcFirstLastPara="1" wrap="square" lIns="91425" tIns="91425" rIns="91425" bIns="91425" anchor="t" anchorCtr="0">
-            <a:noAutofit/>
-          </a:bodyPr>
-          <a:lstStyle/>
-          <a:p>
-            <a:pPr marL="342900" indent="-342900">
-              <a:buAutoNum type="arabicPeriod"/>
-            </a:pPr>
+            <a:br>
+              <a:rPr lang="en-US" dirty="0"/>
+            </a:br>
             <a:r>
-              <a:rPr lang="en" sz="1800" b="1" dirty="0">
-                <a:solidFill>
-                  <a:schemeClr val="accent3"/>
-                </a:solidFill>
-                <a:latin typeface="Syne"/>
-              </a:rPr>
-              <a:t>Application Development, Map Integration, Data Collection, Screening</a:t>
+              <a:rPr lang="en-US" dirty="0"/>
+              <a:t>You</a:t>
             </a:r>
-          </a:p>
-          <a:p>
-            <a:pPr marL="342900" indent="-342900">
-              <a:buAutoNum type="arabicPeriod"/>
-            </a:pPr>
-            <a:r>
-              <a:rPr lang="en" sz="1800" b="1" dirty="0">
-                <a:solidFill>
-                  <a:schemeClr val="accent3"/>
-                </a:solidFill>
-                <a:latin typeface="Syne"/>
-              </a:rPr>
-              <a:t>Prototype Device</a:t>
-            </a:r>
-          </a:p>
-          <a:p>
-            <a:pPr marL="342900" indent="-342900">
-              <a:buAutoNum type="arabicPeriod"/>
-            </a:pPr>
-            <a:r>
-              <a:rPr lang="en" sz="1800" b="1" dirty="0">
-                <a:solidFill>
-                  <a:schemeClr val="accent3"/>
-                </a:solidFill>
-                <a:latin typeface="Syne"/>
-              </a:rPr>
-              <a:t>Demo Execution</a:t>
-            </a:r>
-          </a:p>
-        </p:txBody>
-      </p:sp>
-      <p:grpSp>
-        <p:nvGrpSpPr>
-          <p:cNvPr id="373" name="Google Shape;373;p30"/>
-          <p:cNvGrpSpPr/>
-          <p:nvPr/>
-        </p:nvGrpSpPr>
-        <p:grpSpPr>
-          <a:xfrm>
-            <a:off x="6281633" y="4066212"/>
-            <a:ext cx="3757142" cy="643314"/>
-            <a:chOff x="5105006" y="3956125"/>
-            <a:chExt cx="4400494" cy="753472"/>
-          </a:xfrm>
-        </p:grpSpPr>
-        <p:sp>
-          <p:nvSpPr>
-            <p:cNvPr id="374" name="Google Shape;374;p30"/>
-            <p:cNvSpPr/>
-            <p:nvPr/>
-          </p:nvSpPr>
-          <p:spPr>
-            <a:xfrm rot="5400000">
-              <a:off x="7371373" y="2007269"/>
-              <a:ext cx="168572" cy="4066284"/>
-            </a:xfrm>
-            <a:custGeom>
-              <a:avLst/>
-              <a:gdLst/>
-              <a:ahLst/>
-              <a:cxnLst/>
-              <a:rect l="l" t="t" r="r" b="b"/>
-              <a:pathLst>
-                <a:path w="2680" h="142066" extrusionOk="0">
-                  <a:moveTo>
-                    <a:pt x="0" y="0"/>
-                  </a:moveTo>
-                  <a:lnTo>
-                    <a:pt x="0" y="142065"/>
-                  </a:lnTo>
-                  <a:lnTo>
-                    <a:pt x="2679" y="142065"/>
-                  </a:lnTo>
-                  <a:lnTo>
-                    <a:pt x="2679" y="0"/>
-                  </a:lnTo>
-                  <a:close/>
-                </a:path>
-              </a:pathLst>
-            </a:custGeom>
-            <a:solidFill>
-              <a:schemeClr val="accent1"/>
-            </a:solidFill>
-            <a:ln>
-              <a:noFill/>
-            </a:ln>
-          </p:spPr>
-          <p:txBody>
-            <a:bodyPr spcFirstLastPara="1" wrap="square" lIns="91425" tIns="91425" rIns="91425" bIns="91425" anchor="ctr" anchorCtr="0">
-              <a:noAutofit/>
-            </a:bodyPr>
-            <a:lstStyle/>
-            <a:p>
-              <a:pPr marL="0" lvl="0" indent="0" algn="l" rtl="0">
-                <a:spcBef>
-                  <a:spcPts val="0"/>
-                </a:spcBef>
-                <a:spcAft>
-                  <a:spcPts val="0"/>
-                </a:spcAft>
-                <a:buNone/>
-              </a:pPr>
-              <a:endParaRPr/>
-            </a:p>
-          </p:txBody>
-        </p:sp>
-        <p:sp>
-          <p:nvSpPr>
-            <p:cNvPr id="375" name="Google Shape;375;p30"/>
-            <p:cNvSpPr/>
-            <p:nvPr/>
-          </p:nvSpPr>
-          <p:spPr>
-            <a:xfrm rot="5400000">
-              <a:off x="7220967" y="2132614"/>
-              <a:ext cx="168572" cy="4400494"/>
-            </a:xfrm>
-            <a:custGeom>
-              <a:avLst/>
-              <a:gdLst/>
-              <a:ahLst/>
-              <a:cxnLst/>
-              <a:rect l="l" t="t" r="r" b="b"/>
-              <a:pathLst>
-                <a:path w="2680" h="142066" extrusionOk="0">
-                  <a:moveTo>
-                    <a:pt x="0" y="0"/>
-                  </a:moveTo>
-                  <a:lnTo>
-                    <a:pt x="0" y="142065"/>
-                  </a:lnTo>
-                  <a:lnTo>
-                    <a:pt x="2679" y="142065"/>
-                  </a:lnTo>
-                  <a:lnTo>
-                    <a:pt x="2679" y="0"/>
-                  </a:lnTo>
-                  <a:close/>
-                </a:path>
-              </a:pathLst>
-            </a:custGeom>
-            <a:solidFill>
-              <a:schemeClr val="accent1"/>
-            </a:solidFill>
-            <a:ln>
-              <a:noFill/>
-            </a:ln>
-          </p:spPr>
-          <p:txBody>
-            <a:bodyPr spcFirstLastPara="1" wrap="square" lIns="91425" tIns="91425" rIns="91425" bIns="91425" anchor="ctr" anchorCtr="0">
-              <a:noAutofit/>
-            </a:bodyPr>
-            <a:lstStyle/>
-            <a:p>
-              <a:pPr marL="0" lvl="0" indent="0" algn="l" rtl="0">
-                <a:spcBef>
-                  <a:spcPts val="0"/>
-                </a:spcBef>
-                <a:spcAft>
-                  <a:spcPts val="0"/>
-                </a:spcAft>
-                <a:buNone/>
-              </a:pPr>
-              <a:endParaRPr/>
-            </a:p>
-          </p:txBody>
-        </p:sp>
-        <p:sp>
-          <p:nvSpPr>
-            <p:cNvPr id="376" name="Google Shape;376;p30"/>
-            <p:cNvSpPr/>
-            <p:nvPr/>
-          </p:nvSpPr>
-          <p:spPr>
-            <a:xfrm rot="5400000">
-              <a:off x="7584475" y="2796922"/>
-              <a:ext cx="168572" cy="3656779"/>
-            </a:xfrm>
-            <a:custGeom>
-              <a:avLst/>
-              <a:gdLst/>
-              <a:ahLst/>
-              <a:cxnLst/>
-              <a:rect l="l" t="t" r="r" b="b"/>
-              <a:pathLst>
-                <a:path w="2680" h="142066" extrusionOk="0">
-                  <a:moveTo>
-                    <a:pt x="0" y="0"/>
-                  </a:moveTo>
-                  <a:lnTo>
-                    <a:pt x="0" y="142065"/>
-                  </a:lnTo>
-                  <a:lnTo>
-                    <a:pt x="2679" y="142065"/>
-                  </a:lnTo>
-                  <a:lnTo>
-                    <a:pt x="2679" y="0"/>
-                  </a:lnTo>
-                  <a:close/>
-                </a:path>
-              </a:pathLst>
-            </a:custGeom>
-            <a:solidFill>
-              <a:schemeClr val="accent1"/>
-            </a:solidFill>
-            <a:ln>
-              <a:noFill/>
-            </a:ln>
-          </p:spPr>
-          <p:txBody>
-            <a:bodyPr spcFirstLastPara="1" wrap="square" lIns="91425" tIns="91425" rIns="91425" bIns="91425" anchor="ctr" anchorCtr="0">
-              <a:noAutofit/>
-            </a:bodyPr>
-            <a:lstStyle/>
-            <a:p>
-              <a:pPr marL="0" lvl="0" indent="0" algn="l" rtl="0">
-                <a:spcBef>
-                  <a:spcPts val="0"/>
-                </a:spcBef>
-                <a:spcAft>
-                  <a:spcPts val="0"/>
-                </a:spcAft>
-                <a:buNone/>
-              </a:pPr>
-              <a:endParaRPr/>
-            </a:p>
-          </p:txBody>
-        </p:sp>
-      </p:grpSp>
-      <p:sp>
-        <p:nvSpPr>
-          <p:cNvPr id="377" name="Google Shape;377;p30"/>
-          <p:cNvSpPr/>
-          <p:nvPr/>
-        </p:nvSpPr>
-        <p:spPr>
-          <a:xfrm rot="10800000">
-            <a:off x="-1333726" y="3342144"/>
-            <a:ext cx="5184501" cy="5624481"/>
-          </a:xfrm>
-          <a:custGeom>
-            <a:avLst/>
-            <a:gdLst/>
-            <a:ahLst/>
-            <a:cxnLst/>
-            <a:rect l="l" t="t" r="r" b="b"/>
-            <a:pathLst>
-              <a:path w="91381" h="99136" extrusionOk="0">
-                <a:moveTo>
-                  <a:pt x="77092" y="1"/>
-                </a:moveTo>
-                <a:cubicBezTo>
-                  <a:pt x="75139" y="1"/>
-                  <a:pt x="73192" y="742"/>
-                  <a:pt x="71711" y="2223"/>
-                </a:cubicBezTo>
-                <a:lnTo>
-                  <a:pt x="5191" y="68755"/>
-                </a:lnTo>
-                <a:cubicBezTo>
-                  <a:pt x="1857" y="72065"/>
-                  <a:pt x="0" y="76589"/>
-                  <a:pt x="36" y="81292"/>
-                </a:cubicBezTo>
-                <a:cubicBezTo>
-                  <a:pt x="48" y="86019"/>
-                  <a:pt x="1941" y="90555"/>
-                  <a:pt x="5298" y="93889"/>
-                </a:cubicBezTo>
-                <a:cubicBezTo>
-                  <a:pt x="8800" y="97385"/>
-                  <a:pt x="13392" y="99135"/>
-                  <a:pt x="17968" y="99135"/>
-                </a:cubicBezTo>
-                <a:cubicBezTo>
-                  <a:pt x="22494" y="99135"/>
-                  <a:pt x="27005" y="97424"/>
-                  <a:pt x="30432" y="93996"/>
-                </a:cubicBezTo>
-                <a:lnTo>
-                  <a:pt x="32921" y="91508"/>
-                </a:lnTo>
-                <a:cubicBezTo>
-                  <a:pt x="33111" y="91353"/>
-                  <a:pt x="33302" y="91186"/>
-                  <a:pt x="33480" y="90996"/>
-                </a:cubicBezTo>
-                <a:lnTo>
-                  <a:pt x="88392" y="36084"/>
-                </a:lnTo>
-                <a:cubicBezTo>
-                  <a:pt x="91381" y="33096"/>
-                  <a:pt x="91369" y="28226"/>
-                  <a:pt x="88344" y="25202"/>
-                </a:cubicBezTo>
-                <a:cubicBezTo>
-                  <a:pt x="86829" y="23687"/>
-                  <a:pt x="84844" y="22928"/>
-                  <a:pt x="82865" y="22928"/>
-                </a:cubicBezTo>
-                <a:cubicBezTo>
-                  <a:pt x="80909" y="22928"/>
-                  <a:pt x="78959" y="23669"/>
-                  <a:pt x="77474" y="25154"/>
-                </a:cubicBezTo>
-                <a:lnTo>
-                  <a:pt x="19574" y="83054"/>
-                </a:lnTo>
-                <a:cubicBezTo>
-                  <a:pt x="19090" y="83538"/>
-                  <a:pt x="18452" y="83783"/>
-                  <a:pt x="17813" y="83783"/>
-                </a:cubicBezTo>
-                <a:cubicBezTo>
-                  <a:pt x="17210" y="83783"/>
-                  <a:pt x="16607" y="83565"/>
-                  <a:pt x="16133" y="83126"/>
-                </a:cubicBezTo>
-                <a:cubicBezTo>
-                  <a:pt x="15657" y="82661"/>
-                  <a:pt x="15383" y="82030"/>
-                  <a:pt x="15371" y="81364"/>
-                </a:cubicBezTo>
-                <a:cubicBezTo>
-                  <a:pt x="15371" y="80721"/>
-                  <a:pt x="15621" y="80102"/>
-                  <a:pt x="16085" y="79649"/>
-                </a:cubicBezTo>
-                <a:lnTo>
-                  <a:pt x="82606" y="13129"/>
-                </a:lnTo>
-                <a:cubicBezTo>
-                  <a:pt x="85582" y="10152"/>
-                  <a:pt x="85570" y="5283"/>
-                  <a:pt x="82558" y="2271"/>
-                </a:cubicBezTo>
-                <a:cubicBezTo>
-                  <a:pt x="81044" y="757"/>
-                  <a:pt x="79065" y="1"/>
-                  <a:pt x="77092" y="1"/>
-                </a:cubicBezTo>
-                <a:close/>
-              </a:path>
-            </a:pathLst>
-          </a:custGeom>
-          <a:solidFill>
-            <a:schemeClr val="accent2"/>
-          </a:solidFill>
-          <a:ln>
-            <a:noFill/>
-          </a:ln>
-        </p:spPr>
-        <p:txBody>
-          <a:bodyPr spcFirstLastPara="1" wrap="square" lIns="91425" tIns="91425" rIns="91425" bIns="91425" anchor="ctr" anchorCtr="0">
-            <a:noAutofit/>
-          </a:bodyPr>
-          <a:lstStyle/>
-          <a:p>
-            <a:pPr marL="0" lvl="0" indent="0" algn="l" rtl="0">
-              <a:spcBef>
-                <a:spcPts val="0"/>
-              </a:spcBef>
-              <a:spcAft>
-                <a:spcPts val="0"/>
-              </a:spcAft>
-              <a:buNone/>
-            </a:pPr>
-            <a:endParaRPr/>
           </a:p>
         </p:txBody>
       </p:sp>
     </p:spTree>
     <p:extLst>
       <p:ext uri="{BB962C8B-B14F-4D97-AF65-F5344CB8AC3E}">
-        <p14:creationId xmlns:p14="http://schemas.microsoft.com/office/powerpoint/2010/main" val="2447194394"/>
+        <p14:creationId xmlns:p14="http://schemas.microsoft.com/office/powerpoint/2010/main" val="805204236"/>
       </p:ext>
     </p:extLst>
   </p:cSld>
   <p:clrMapOvr>
     <a:masterClrMapping/>
   </p:clrMapOvr>
-</p:sld>
-</file>
-
-<file path=ppt/slides/slide8.xml><?xml version="1.0" encoding="utf-8"?>
-<p:sld xmlns:a="http://schemas.openxmlformats.org/drawingml/2006/main" xmlns:r="http://schemas.openxmlformats.org/officeDocument/2006/relationships" xmlns:p="http://schemas.openxmlformats.org/presentationml/2006/main">
-  <p:cSld>
-    <p:spTree>
-      <p:nvGrpSpPr>
-        <p:cNvPr id="1" name="Shape 368"/>
-        <p:cNvGrpSpPr/>
-        <p:nvPr/>
-      </p:nvGrpSpPr>
-      <p:grpSpPr>
-        <a:xfrm>
-          <a:off x="0" y="0"/>
-          <a:ext cx="0" cy="0"/>
-          <a:chOff x="0" y="0"/>
-          <a:chExt cx="0" cy="0"/>
-        </a:xfrm>
-      </p:grpSpPr>
-      <p:sp>
-        <p:nvSpPr>
-          <p:cNvPr id="369" name="Google Shape;369;p30"/>
-          <p:cNvSpPr/>
-          <p:nvPr/>
-        </p:nvSpPr>
-        <p:spPr>
-          <a:xfrm rot="10800000">
-            <a:off x="8031783" y="-1160135"/>
-            <a:ext cx="1888617" cy="2048893"/>
-          </a:xfrm>
-          <a:custGeom>
-            <a:avLst/>
-            <a:gdLst/>
-            <a:ahLst/>
-            <a:cxnLst/>
-            <a:rect l="l" t="t" r="r" b="b"/>
-            <a:pathLst>
-              <a:path w="91381" h="99136" extrusionOk="0">
-                <a:moveTo>
-                  <a:pt x="77092" y="1"/>
-                </a:moveTo>
-                <a:cubicBezTo>
-                  <a:pt x="75139" y="1"/>
-                  <a:pt x="73192" y="742"/>
-                  <a:pt x="71711" y="2223"/>
-                </a:cubicBezTo>
-                <a:lnTo>
-                  <a:pt x="5191" y="68755"/>
-                </a:lnTo>
-                <a:cubicBezTo>
-                  <a:pt x="1857" y="72065"/>
-                  <a:pt x="0" y="76589"/>
-                  <a:pt x="36" y="81292"/>
-                </a:cubicBezTo>
-                <a:cubicBezTo>
-                  <a:pt x="48" y="86019"/>
-                  <a:pt x="1941" y="90555"/>
-                  <a:pt x="5298" y="93889"/>
-                </a:cubicBezTo>
-                <a:cubicBezTo>
-                  <a:pt x="8800" y="97385"/>
-                  <a:pt x="13392" y="99135"/>
-                  <a:pt x="17968" y="99135"/>
-                </a:cubicBezTo>
-                <a:cubicBezTo>
-                  <a:pt x="22494" y="99135"/>
-                  <a:pt x="27005" y="97424"/>
-                  <a:pt x="30432" y="93996"/>
-                </a:cubicBezTo>
-                <a:lnTo>
-                  <a:pt x="32921" y="91508"/>
-                </a:lnTo>
-                <a:cubicBezTo>
-                  <a:pt x="33111" y="91353"/>
-                  <a:pt x="33302" y="91186"/>
-                  <a:pt x="33480" y="90996"/>
-                </a:cubicBezTo>
-                <a:lnTo>
-                  <a:pt x="88392" y="36084"/>
-                </a:lnTo>
-                <a:cubicBezTo>
-                  <a:pt x="91381" y="33096"/>
-                  <a:pt x="91369" y="28226"/>
-                  <a:pt x="88344" y="25202"/>
-                </a:cubicBezTo>
-                <a:cubicBezTo>
-                  <a:pt x="86829" y="23687"/>
-                  <a:pt x="84844" y="22928"/>
-                  <a:pt x="82865" y="22928"/>
-                </a:cubicBezTo>
-                <a:cubicBezTo>
-                  <a:pt x="80909" y="22928"/>
-                  <a:pt x="78959" y="23669"/>
-                  <a:pt x="77474" y="25154"/>
-                </a:cubicBezTo>
-                <a:lnTo>
-                  <a:pt x="19574" y="83054"/>
-                </a:lnTo>
-                <a:cubicBezTo>
-                  <a:pt x="19090" y="83538"/>
-                  <a:pt x="18452" y="83783"/>
-                  <a:pt x="17813" y="83783"/>
-                </a:cubicBezTo>
-                <a:cubicBezTo>
-                  <a:pt x="17210" y="83783"/>
-                  <a:pt x="16607" y="83565"/>
-                  <a:pt x="16133" y="83126"/>
-                </a:cubicBezTo>
-                <a:cubicBezTo>
-                  <a:pt x="15657" y="82661"/>
-                  <a:pt x="15383" y="82030"/>
-                  <a:pt x="15371" y="81364"/>
-                </a:cubicBezTo>
-                <a:cubicBezTo>
-                  <a:pt x="15371" y="80721"/>
-                  <a:pt x="15621" y="80102"/>
-                  <a:pt x="16085" y="79649"/>
-                </a:cubicBezTo>
-                <a:lnTo>
-                  <a:pt x="82606" y="13129"/>
-                </a:lnTo>
-                <a:cubicBezTo>
-                  <a:pt x="85582" y="10152"/>
-                  <a:pt x="85570" y="5283"/>
-                  <a:pt x="82558" y="2271"/>
-                </a:cubicBezTo>
-                <a:cubicBezTo>
-                  <a:pt x="81044" y="757"/>
-                  <a:pt x="79065" y="1"/>
-                  <a:pt x="77092" y="1"/>
-                </a:cubicBezTo>
-                <a:close/>
-              </a:path>
-            </a:pathLst>
-          </a:custGeom>
-          <a:solidFill>
-            <a:schemeClr val="accent2"/>
-          </a:solidFill>
-          <a:ln>
-            <a:noFill/>
-          </a:ln>
-        </p:spPr>
-        <p:txBody>
-          <a:bodyPr spcFirstLastPara="1" wrap="square" lIns="91425" tIns="91425" rIns="91425" bIns="91425" anchor="ctr" anchorCtr="0">
-            <a:noAutofit/>
-          </a:bodyPr>
-          <a:lstStyle/>
-          <a:p>
-            <a:pPr marL="0" lvl="0" indent="0" algn="l" rtl="0">
-              <a:spcBef>
-                <a:spcPts val="0"/>
-              </a:spcBef>
-              <a:spcAft>
-                <a:spcPts val="0"/>
-              </a:spcAft>
-              <a:buNone/>
-            </a:pPr>
-            <a:endParaRPr/>
-          </a:p>
-        </p:txBody>
-      </p:sp>
-      <p:sp>
-        <p:nvSpPr>
-          <p:cNvPr id="370" name="Google Shape;370;p30"/>
-          <p:cNvSpPr txBox="1">
-            <a:spLocks noGrp="1"/>
-          </p:cNvSpPr>
-          <p:nvPr>
-            <p:ph type="title"/>
-          </p:nvPr>
-        </p:nvSpPr>
-        <p:spPr>
-          <a:xfrm>
-            <a:off x="3296762" y="1497788"/>
-            <a:ext cx="2545279" cy="1174278"/>
-          </a:xfrm>
-          <a:prstGeom prst="rect">
-            <a:avLst/>
-          </a:prstGeom>
-        </p:spPr>
-        <p:txBody>
-          <a:bodyPr spcFirstLastPara="1" wrap="square" lIns="91425" tIns="91425" rIns="91425" bIns="91425" anchor="t" anchorCtr="0">
-            <a:noAutofit/>
-          </a:bodyPr>
-          <a:lstStyle/>
-          <a:p>
-            <a:r>
-              <a:rPr lang="en" sz="4000" dirty="0"/>
-              <a:t>THANK YOU</a:t>
-            </a:r>
-            <a:endParaRPr lang="en-US" sz="4000"/>
-          </a:p>
-        </p:txBody>
-      </p:sp>
-      <p:grpSp>
-        <p:nvGrpSpPr>
-          <p:cNvPr id="373" name="Google Shape;373;p30"/>
-          <p:cNvGrpSpPr/>
-          <p:nvPr/>
-        </p:nvGrpSpPr>
-        <p:grpSpPr>
-          <a:xfrm>
-            <a:off x="6281633" y="4066212"/>
-            <a:ext cx="3757142" cy="643314"/>
-            <a:chOff x="5105006" y="3956125"/>
-            <a:chExt cx="4400494" cy="753472"/>
-          </a:xfrm>
-        </p:grpSpPr>
-        <p:sp>
-          <p:nvSpPr>
-            <p:cNvPr id="374" name="Google Shape;374;p30"/>
-            <p:cNvSpPr/>
-            <p:nvPr/>
-          </p:nvSpPr>
-          <p:spPr>
-            <a:xfrm rot="5400000">
-              <a:off x="7371373" y="2007269"/>
-              <a:ext cx="168572" cy="4066284"/>
-            </a:xfrm>
-            <a:custGeom>
-              <a:avLst/>
-              <a:gdLst/>
-              <a:ahLst/>
-              <a:cxnLst/>
-              <a:rect l="l" t="t" r="r" b="b"/>
-              <a:pathLst>
-                <a:path w="2680" h="142066" extrusionOk="0">
-                  <a:moveTo>
-                    <a:pt x="0" y="0"/>
-                  </a:moveTo>
-                  <a:lnTo>
-                    <a:pt x="0" y="142065"/>
-                  </a:lnTo>
-                  <a:lnTo>
-                    <a:pt x="2679" y="142065"/>
-                  </a:lnTo>
-                  <a:lnTo>
-                    <a:pt x="2679" y="0"/>
-                  </a:lnTo>
-                  <a:close/>
-                </a:path>
-              </a:pathLst>
-            </a:custGeom>
-            <a:solidFill>
-              <a:schemeClr val="accent1"/>
-            </a:solidFill>
-            <a:ln>
-              <a:noFill/>
-            </a:ln>
-          </p:spPr>
-          <p:txBody>
-            <a:bodyPr spcFirstLastPara="1" wrap="square" lIns="91425" tIns="91425" rIns="91425" bIns="91425" anchor="ctr" anchorCtr="0">
-              <a:noAutofit/>
-            </a:bodyPr>
-            <a:lstStyle/>
-            <a:p>
-              <a:pPr marL="0" lvl="0" indent="0" algn="l" rtl="0">
-                <a:spcBef>
-                  <a:spcPts val="0"/>
-                </a:spcBef>
-                <a:spcAft>
-                  <a:spcPts val="0"/>
-                </a:spcAft>
-                <a:buNone/>
-              </a:pPr>
-              <a:endParaRPr/>
-            </a:p>
-          </p:txBody>
-        </p:sp>
-        <p:sp>
-          <p:nvSpPr>
-            <p:cNvPr id="375" name="Google Shape;375;p30"/>
-            <p:cNvSpPr/>
-            <p:nvPr/>
-          </p:nvSpPr>
-          <p:spPr>
-            <a:xfrm rot="5400000">
-              <a:off x="7220967" y="2132614"/>
-              <a:ext cx="168572" cy="4400494"/>
-            </a:xfrm>
-            <a:custGeom>
-              <a:avLst/>
-              <a:gdLst/>
-              <a:ahLst/>
-              <a:cxnLst/>
-              <a:rect l="l" t="t" r="r" b="b"/>
-              <a:pathLst>
-                <a:path w="2680" h="142066" extrusionOk="0">
-                  <a:moveTo>
-                    <a:pt x="0" y="0"/>
-                  </a:moveTo>
-                  <a:lnTo>
-                    <a:pt x="0" y="142065"/>
-                  </a:lnTo>
-                  <a:lnTo>
-                    <a:pt x="2679" y="142065"/>
-                  </a:lnTo>
-                  <a:lnTo>
-                    <a:pt x="2679" y="0"/>
-                  </a:lnTo>
-                  <a:close/>
-                </a:path>
-              </a:pathLst>
-            </a:custGeom>
-            <a:solidFill>
-              <a:schemeClr val="accent1"/>
-            </a:solidFill>
-            <a:ln>
-              <a:noFill/>
-            </a:ln>
-          </p:spPr>
-          <p:txBody>
-            <a:bodyPr spcFirstLastPara="1" wrap="square" lIns="91425" tIns="91425" rIns="91425" bIns="91425" anchor="ctr" anchorCtr="0">
-              <a:noAutofit/>
-            </a:bodyPr>
-            <a:lstStyle/>
-            <a:p>
-              <a:pPr marL="0" lvl="0" indent="0" algn="l" rtl="0">
-                <a:spcBef>
-                  <a:spcPts val="0"/>
-                </a:spcBef>
-                <a:spcAft>
-                  <a:spcPts val="0"/>
-                </a:spcAft>
-                <a:buNone/>
-              </a:pPr>
-              <a:endParaRPr/>
-            </a:p>
-          </p:txBody>
-        </p:sp>
-        <p:sp>
-          <p:nvSpPr>
-            <p:cNvPr id="376" name="Google Shape;376;p30"/>
-            <p:cNvSpPr/>
-            <p:nvPr/>
-          </p:nvSpPr>
-          <p:spPr>
-            <a:xfrm rot="5400000">
-              <a:off x="7584475" y="2796922"/>
-              <a:ext cx="168572" cy="3656779"/>
-            </a:xfrm>
-            <a:custGeom>
-              <a:avLst/>
-              <a:gdLst/>
-              <a:ahLst/>
-              <a:cxnLst/>
-              <a:rect l="l" t="t" r="r" b="b"/>
-              <a:pathLst>
-                <a:path w="2680" h="142066" extrusionOk="0">
-                  <a:moveTo>
-                    <a:pt x="0" y="0"/>
-                  </a:moveTo>
-                  <a:lnTo>
-                    <a:pt x="0" y="142065"/>
-                  </a:lnTo>
-                  <a:lnTo>
-                    <a:pt x="2679" y="142065"/>
-                  </a:lnTo>
-                  <a:lnTo>
-                    <a:pt x="2679" y="0"/>
-                  </a:lnTo>
-                  <a:close/>
-                </a:path>
-              </a:pathLst>
-            </a:custGeom>
-            <a:solidFill>
-              <a:schemeClr val="accent1"/>
-            </a:solidFill>
-            <a:ln>
-              <a:noFill/>
-            </a:ln>
-          </p:spPr>
-          <p:txBody>
-            <a:bodyPr spcFirstLastPara="1" wrap="square" lIns="91425" tIns="91425" rIns="91425" bIns="91425" anchor="ctr" anchorCtr="0">
-              <a:noAutofit/>
-            </a:bodyPr>
-            <a:lstStyle/>
-            <a:p>
-              <a:pPr marL="0" lvl="0" indent="0" algn="l" rtl="0">
-                <a:spcBef>
-                  <a:spcPts val="0"/>
-                </a:spcBef>
-                <a:spcAft>
-                  <a:spcPts val="0"/>
-                </a:spcAft>
-                <a:buNone/>
-              </a:pPr>
-              <a:endParaRPr/>
-            </a:p>
-          </p:txBody>
-        </p:sp>
-      </p:grpSp>
-      <p:sp>
-        <p:nvSpPr>
-          <p:cNvPr id="377" name="Google Shape;377;p30"/>
-          <p:cNvSpPr/>
-          <p:nvPr/>
-        </p:nvSpPr>
-        <p:spPr>
-          <a:xfrm rot="10800000">
-            <a:off x="-1333726" y="3342144"/>
-            <a:ext cx="5184501" cy="5624481"/>
-          </a:xfrm>
-          <a:custGeom>
-            <a:avLst/>
-            <a:gdLst/>
-            <a:ahLst/>
-            <a:cxnLst/>
-            <a:rect l="l" t="t" r="r" b="b"/>
-            <a:pathLst>
-              <a:path w="91381" h="99136" extrusionOk="0">
-                <a:moveTo>
-                  <a:pt x="77092" y="1"/>
-                </a:moveTo>
-                <a:cubicBezTo>
-                  <a:pt x="75139" y="1"/>
-                  <a:pt x="73192" y="742"/>
-                  <a:pt x="71711" y="2223"/>
-                </a:cubicBezTo>
-                <a:lnTo>
-                  <a:pt x="5191" y="68755"/>
-                </a:lnTo>
-                <a:cubicBezTo>
-                  <a:pt x="1857" y="72065"/>
-                  <a:pt x="0" y="76589"/>
-                  <a:pt x="36" y="81292"/>
-                </a:cubicBezTo>
-                <a:cubicBezTo>
-                  <a:pt x="48" y="86019"/>
-                  <a:pt x="1941" y="90555"/>
-                  <a:pt x="5298" y="93889"/>
-                </a:cubicBezTo>
-                <a:cubicBezTo>
-                  <a:pt x="8800" y="97385"/>
-                  <a:pt x="13392" y="99135"/>
-                  <a:pt x="17968" y="99135"/>
-                </a:cubicBezTo>
-                <a:cubicBezTo>
-                  <a:pt x="22494" y="99135"/>
-                  <a:pt x="27005" y="97424"/>
-                  <a:pt x="30432" y="93996"/>
-                </a:cubicBezTo>
-                <a:lnTo>
-                  <a:pt x="32921" y="91508"/>
-                </a:lnTo>
-                <a:cubicBezTo>
-                  <a:pt x="33111" y="91353"/>
-                  <a:pt x="33302" y="91186"/>
-                  <a:pt x="33480" y="90996"/>
-                </a:cubicBezTo>
-                <a:lnTo>
-                  <a:pt x="88392" y="36084"/>
-                </a:lnTo>
-                <a:cubicBezTo>
-                  <a:pt x="91381" y="33096"/>
-                  <a:pt x="91369" y="28226"/>
-                  <a:pt x="88344" y="25202"/>
-                </a:cubicBezTo>
-                <a:cubicBezTo>
-                  <a:pt x="86829" y="23687"/>
-                  <a:pt x="84844" y="22928"/>
-                  <a:pt x="82865" y="22928"/>
-                </a:cubicBezTo>
-                <a:cubicBezTo>
-                  <a:pt x="80909" y="22928"/>
-                  <a:pt x="78959" y="23669"/>
-                  <a:pt x="77474" y="25154"/>
-                </a:cubicBezTo>
-                <a:lnTo>
-                  <a:pt x="19574" y="83054"/>
-                </a:lnTo>
-                <a:cubicBezTo>
-                  <a:pt x="19090" y="83538"/>
-                  <a:pt x="18452" y="83783"/>
-                  <a:pt x="17813" y="83783"/>
-                </a:cubicBezTo>
-                <a:cubicBezTo>
-                  <a:pt x="17210" y="83783"/>
-                  <a:pt x="16607" y="83565"/>
-                  <a:pt x="16133" y="83126"/>
-                </a:cubicBezTo>
-                <a:cubicBezTo>
-                  <a:pt x="15657" y="82661"/>
-                  <a:pt x="15383" y="82030"/>
-                  <a:pt x="15371" y="81364"/>
-                </a:cubicBezTo>
-                <a:cubicBezTo>
-                  <a:pt x="15371" y="80721"/>
-                  <a:pt x="15621" y="80102"/>
-                  <a:pt x="16085" y="79649"/>
-                </a:cubicBezTo>
-                <a:lnTo>
-                  <a:pt x="82606" y="13129"/>
-                </a:lnTo>
-                <a:cubicBezTo>
-                  <a:pt x="85582" y="10152"/>
-                  <a:pt x="85570" y="5283"/>
-                  <a:pt x="82558" y="2271"/>
-                </a:cubicBezTo>
-                <a:cubicBezTo>
-                  <a:pt x="81044" y="757"/>
-                  <a:pt x="79065" y="1"/>
-                  <a:pt x="77092" y="1"/>
-                </a:cubicBezTo>
-                <a:close/>
-              </a:path>
-            </a:pathLst>
-          </a:custGeom>
-          <a:solidFill>
-            <a:schemeClr val="accent2"/>
-          </a:solidFill>
-          <a:ln>
-            <a:noFill/>
-          </a:ln>
-        </p:spPr>
-        <p:txBody>
-          <a:bodyPr spcFirstLastPara="1" wrap="square" lIns="91425" tIns="91425" rIns="91425" bIns="91425" anchor="ctr" anchorCtr="0">
-            <a:noAutofit/>
-          </a:bodyPr>
-          <a:lstStyle/>
-          <a:p>
-            <a:pPr marL="0" lvl="0" indent="0" algn="l" rtl="0">
-              <a:spcBef>
-                <a:spcPts val="0"/>
-              </a:spcBef>
-              <a:spcAft>
-                <a:spcPts val="0"/>
-              </a:spcAft>
-              <a:buNone/>
-            </a:pPr>
-            <a:endParaRPr/>
-          </a:p>
-        </p:txBody>
-      </p:sp>
-    </p:spTree>
-    <p:extLst>
-      <p:ext uri="{BB962C8B-B14F-4D97-AF65-F5344CB8AC3E}">
-        <p14:creationId xmlns:p14="http://schemas.microsoft.com/office/powerpoint/2010/main" val="11187897"/>
-      </p:ext>
-    </p:extLst>
-  </p:cSld>
-  <p:clrMapOvr>
-    <a:masterClrMapping/>
-  </p:clrMapOvr>
+  <mc:AlternateContent xmlns:mc="http://schemas.openxmlformats.org/markup-compatibility/2006" xmlns:p159="http://schemas.microsoft.com/office/powerpoint/2015/09/main">
+    <mc:Choice Requires="p159">
+      <p:transition spd="slow">
+        <p159:morph option="byObject"/>
+      </p:transition>
+    </mc:Choice>
+    <mc:Fallback xmlns="">
+      <p:transition spd="slow">
+        <p:fade/>
+      </p:transition>
+    </mc:Fallback>
+  </mc:AlternateContent>
 </p:sld>
 </file>
 
